--- a/slides/OO.pptx
+++ b/slides/OO.pptx
@@ -5,10 +5,10 @@
     <p:sldMasterId id="2147483672" r:id="rId1"/>
   </p:sldMasterIdLst>
   <p:notesMasterIdLst>
-    <p:notesMasterId r:id="rId10"/>
+    <p:notesMasterId r:id="rId24"/>
   </p:notesMasterIdLst>
   <p:handoutMasterIdLst>
-    <p:handoutMasterId r:id="rId11"/>
+    <p:handoutMasterId r:id="rId25"/>
   </p:handoutMasterIdLst>
   <p:sldIdLst>
     <p:sldId id="256" r:id="rId2"/>
@@ -19,6 +19,20 @@
     <p:sldId id="261" r:id="rId7"/>
     <p:sldId id="262" r:id="rId8"/>
     <p:sldId id="263" r:id="rId9"/>
+    <p:sldId id="264" r:id="rId10"/>
+    <p:sldId id="265" r:id="rId11"/>
+    <p:sldId id="266" r:id="rId12"/>
+    <p:sldId id="267" r:id="rId13"/>
+    <p:sldId id="268" r:id="rId14"/>
+    <p:sldId id="269" r:id="rId15"/>
+    <p:sldId id="271" r:id="rId16"/>
+    <p:sldId id="270" r:id="rId17"/>
+    <p:sldId id="272" r:id="rId18"/>
+    <p:sldId id="273" r:id="rId19"/>
+    <p:sldId id="274" r:id="rId20"/>
+    <p:sldId id="275" r:id="rId21"/>
+    <p:sldId id="276" r:id="rId22"/>
+    <p:sldId id="277" r:id="rId23"/>
   </p:sldIdLst>
   <p:sldSz cx="12192000" cy="6858000"/>
   <p:notesSz cx="9144000" cy="6858000"/>
@@ -213,7 +227,7 @@
           <a:p>
             <a:fld id="{8A1B613A-EFF1-404F-BEE8-EFAE84A4E5E2}" type="datetimeFigureOut">
               <a:rPr lang="en-US" smtClean="0"/>
-              <a:t>6/17/21</a:t>
+              <a:t>6/18/21</a:t>
             </a:fld>
             <a:endParaRPr lang="en-US"/>
           </a:p>
@@ -378,7 +392,7 @@
           <a:p>
             <a:fld id="{690847EA-AC25-3D4E-89E1-FD3F6A9702B6}" type="datetimeFigureOut">
               <a:rPr lang="en-US" smtClean="0"/>
-              <a:t>6/17/21</a:t>
+              <a:t>6/18/21</a:t>
             </a:fld>
             <a:endParaRPr lang="en-US"/>
           </a:p>
@@ -792,7 +806,7 @@
           <a:p>
             <a:fld id="{BE5295ED-3BAF-1140-8495-3D368771D6B1}" type="datetimeFigureOut">
               <a:rPr lang="en-US" smtClean="0"/>
-              <a:t>6/17/21</a:t>
+              <a:t>6/18/21</a:t>
             </a:fld>
             <a:endParaRPr lang="en-US"/>
           </a:p>
@@ -990,7 +1004,7 @@
           <a:p>
             <a:fld id="{BE5295ED-3BAF-1140-8495-3D368771D6B1}" type="datetimeFigureOut">
               <a:rPr lang="en-US" smtClean="0"/>
-              <a:t>6/17/21</a:t>
+              <a:t>6/18/21</a:t>
             </a:fld>
             <a:endParaRPr lang="en-US"/>
           </a:p>
@@ -1198,7 +1212,7 @@
           <a:p>
             <a:fld id="{BE5295ED-3BAF-1140-8495-3D368771D6B1}" type="datetimeFigureOut">
               <a:rPr lang="en-US" smtClean="0"/>
-              <a:t>6/17/21</a:t>
+              <a:t>6/18/21</a:t>
             </a:fld>
             <a:endParaRPr lang="en-US"/>
           </a:p>
@@ -1396,7 +1410,7 @@
           <a:p>
             <a:fld id="{BE5295ED-3BAF-1140-8495-3D368771D6B1}" type="datetimeFigureOut">
               <a:rPr lang="en-US" smtClean="0"/>
-              <a:t>6/17/21</a:t>
+              <a:t>6/18/21</a:t>
             </a:fld>
             <a:endParaRPr lang="en-US"/>
           </a:p>
@@ -1671,7 +1685,7 @@
           <a:p>
             <a:fld id="{BE5295ED-3BAF-1140-8495-3D368771D6B1}" type="datetimeFigureOut">
               <a:rPr lang="en-US" smtClean="0"/>
-              <a:t>6/17/21</a:t>
+              <a:t>6/18/21</a:t>
             </a:fld>
             <a:endParaRPr lang="en-US"/>
           </a:p>
@@ -1936,7 +1950,7 @@
           <a:p>
             <a:fld id="{BE5295ED-3BAF-1140-8495-3D368771D6B1}" type="datetimeFigureOut">
               <a:rPr lang="en-US" smtClean="0"/>
-              <a:t>6/17/21</a:t>
+              <a:t>6/18/21</a:t>
             </a:fld>
             <a:endParaRPr lang="en-US"/>
           </a:p>
@@ -2348,7 +2362,7 @@
           <a:p>
             <a:fld id="{BE5295ED-3BAF-1140-8495-3D368771D6B1}" type="datetimeFigureOut">
               <a:rPr lang="en-US" smtClean="0"/>
-              <a:t>6/17/21</a:t>
+              <a:t>6/18/21</a:t>
             </a:fld>
             <a:endParaRPr lang="en-US"/>
           </a:p>
@@ -2489,7 +2503,7 @@
           <a:p>
             <a:fld id="{BE5295ED-3BAF-1140-8495-3D368771D6B1}" type="datetimeFigureOut">
               <a:rPr lang="en-US" smtClean="0"/>
-              <a:t>6/17/21</a:t>
+              <a:t>6/18/21</a:t>
             </a:fld>
             <a:endParaRPr lang="en-US"/>
           </a:p>
@@ -2602,7 +2616,7 @@
           <a:p>
             <a:fld id="{BE5295ED-3BAF-1140-8495-3D368771D6B1}" type="datetimeFigureOut">
               <a:rPr lang="en-US" smtClean="0"/>
-              <a:t>6/17/21</a:t>
+              <a:t>6/18/21</a:t>
             </a:fld>
             <a:endParaRPr lang="en-US"/>
           </a:p>
@@ -2913,7 +2927,7 @@
           <a:p>
             <a:fld id="{BE5295ED-3BAF-1140-8495-3D368771D6B1}" type="datetimeFigureOut">
               <a:rPr lang="en-US" smtClean="0"/>
-              <a:t>6/17/21</a:t>
+              <a:t>6/18/21</a:t>
             </a:fld>
             <a:endParaRPr lang="en-US"/>
           </a:p>
@@ -3204,7 +3218,7 @@
           <a:p>
             <a:fld id="{BE5295ED-3BAF-1140-8495-3D368771D6B1}" type="datetimeFigureOut">
               <a:rPr lang="en-US" smtClean="0"/>
-              <a:t>6/17/21</a:t>
+              <a:t>6/18/21</a:t>
             </a:fld>
             <a:endParaRPr lang="en-US"/>
           </a:p>
@@ -3445,7 +3459,7 @@
           <a:p>
             <a:fld id="{BE5295ED-3BAF-1140-8495-3D368771D6B1}" type="datetimeFigureOut">
               <a:rPr lang="en-US" smtClean="0"/>
-              <a:t>6/17/21</a:t>
+              <a:t>6/18/21</a:t>
             </a:fld>
             <a:endParaRPr lang="en-US"/>
           </a:p>
@@ -4005,10 +4019,1936 @@
           </a:p>
         </p:txBody>
       </p:sp>
+      <p:sp>
+        <p:nvSpPr>
+          <p:cNvPr id="4" name="TextBox 3">
+            <a:extLst>
+              <a:ext uri="{FF2B5EF4-FFF2-40B4-BE49-F238E27FC236}">
+                <a16:creationId xmlns:a16="http://schemas.microsoft.com/office/drawing/2014/main" id="{BF313770-7E87-C840-AC70-6FA667656C1F}"/>
+              </a:ext>
+            </a:extLst>
+          </p:cNvPr>
+          <p:cNvSpPr txBox="1"/>
+          <p:nvPr/>
+        </p:nvSpPr>
+        <p:spPr>
+          <a:xfrm>
+            <a:off x="2504661" y="5550971"/>
+            <a:ext cx="7968848" cy="369332"/>
+          </a:xfrm>
+          <a:prstGeom prst="rect">
+            <a:avLst/>
+          </a:prstGeom>
+          <a:noFill/>
+        </p:spPr>
+        <p:txBody>
+          <a:bodyPr wrap="none" rtlCol="0">
+            <a:spAutoFit/>
+          </a:bodyPr>
+          <a:lstStyle/>
+          <a:p>
+            <a:r>
+              <a:rPr lang="en-US" dirty="0"/>
+              <a:t>See notebook </a:t>
+            </a:r>
+            <a:r>
+              <a:rPr lang="en-US" dirty="0">
+                <a:hlinkClick r:id="rId2"/>
+              </a:rPr>
+              <a:t>https://github.com/parrt/msds501/blob/master/notes/OO.ipynb</a:t>
+            </a:r>
+            <a:endParaRPr lang="en-US" dirty="0"/>
+          </a:p>
+        </p:txBody>
+      </p:sp>
     </p:spTree>
     <p:extLst>
       <p:ext uri="{BB962C8B-B14F-4D97-AF65-F5344CB8AC3E}">
         <p14:creationId xmlns:p14="http://schemas.microsoft.com/office/powerpoint/2010/main" val="1593366124"/>
+      </p:ext>
+    </p:extLst>
+  </p:cSld>
+  <p:clrMapOvr>
+    <a:masterClrMapping/>
+  </p:clrMapOvr>
+</p:sld>
+</file>
+
+<file path=ppt/slides/slide10.xml><?xml version="1.0" encoding="utf-8"?>
+<p:sld xmlns:a="http://schemas.openxmlformats.org/drawingml/2006/main" xmlns:r="http://schemas.openxmlformats.org/officeDocument/2006/relationships" xmlns:p="http://schemas.openxmlformats.org/presentationml/2006/main">
+  <p:cSld>
+    <p:spTree>
+      <p:nvGrpSpPr>
+        <p:cNvPr id="1" name=""/>
+        <p:cNvGrpSpPr/>
+        <p:nvPr/>
+      </p:nvGrpSpPr>
+      <p:grpSpPr>
+        <a:xfrm>
+          <a:off x="0" y="0"/>
+          <a:ext cx="0" cy="0"/>
+          <a:chOff x="0" y="0"/>
+          <a:chExt cx="0" cy="0"/>
+        </a:xfrm>
+      </p:grpSpPr>
+      <p:sp>
+        <p:nvSpPr>
+          <p:cNvPr id="2" name="Title 1">
+            <a:extLst>
+              <a:ext uri="{FF2B5EF4-FFF2-40B4-BE49-F238E27FC236}">
+                <a16:creationId xmlns:a16="http://schemas.microsoft.com/office/drawing/2014/main" id="{A024BB63-12C7-0849-98DD-CCAECCEE3524}"/>
+              </a:ext>
+            </a:extLst>
+          </p:cNvPr>
+          <p:cNvSpPr>
+            <a:spLocks noGrp="1"/>
+          </p:cNvSpPr>
+          <p:nvPr>
+            <p:ph type="title"/>
+          </p:nvPr>
+        </p:nvSpPr>
+        <p:spPr>
+          <a:xfrm>
+            <a:off x="838200" y="755374"/>
+            <a:ext cx="10515600" cy="935314"/>
+          </a:xfrm>
+        </p:spPr>
+        <p:txBody>
+          <a:bodyPr/>
+          <a:lstStyle/>
+          <a:p>
+            <a:r>
+              <a:rPr lang="en-US" dirty="0"/>
+              <a:t>A basic Python class version of Book</a:t>
+            </a:r>
+          </a:p>
+        </p:txBody>
+      </p:sp>
+      <p:sp>
+        <p:nvSpPr>
+          <p:cNvPr id="3" name="Content Placeholder 2">
+            <a:extLst>
+              <a:ext uri="{FF2B5EF4-FFF2-40B4-BE49-F238E27FC236}">
+                <a16:creationId xmlns:a16="http://schemas.microsoft.com/office/drawing/2014/main" id="{019DB6EA-461F-C046-8912-A14CB7B134D0}"/>
+              </a:ext>
+            </a:extLst>
+          </p:cNvPr>
+          <p:cNvSpPr>
+            <a:spLocks noGrp="1"/>
+          </p:cNvSpPr>
+          <p:nvPr>
+            <p:ph idx="1"/>
+          </p:nvPr>
+        </p:nvSpPr>
+        <p:spPr>
+          <a:xfrm>
+            <a:off x="838200" y="1825625"/>
+            <a:ext cx="7494657" cy="4351338"/>
+          </a:xfrm>
+        </p:spPr>
+        <p:txBody>
+          <a:bodyPr>
+            <a:normAutofit lnSpcReduction="10000"/>
+          </a:bodyPr>
+          <a:lstStyle/>
+          <a:p>
+            <a:r>
+              <a:rPr lang="en-US" dirty="0"/>
+              <a:t>Compare the dictionary version to the minimal formal class version</a:t>
+            </a:r>
+          </a:p>
+          <a:p>
+            <a:r>
+              <a:rPr lang="en-US" dirty="0"/>
+              <a:t>("pass" just means there's nothing inside)</a:t>
+            </a:r>
+          </a:p>
+          <a:p>
+            <a:r>
+              <a:rPr lang="en-US" dirty="0"/>
+              <a:t>We create a </a:t>
+            </a:r>
+            <a:r>
+              <a:rPr lang="en-US" b="1" dirty="0"/>
+              <a:t>Book</a:t>
+            </a:r>
+            <a:r>
+              <a:rPr lang="en-US" dirty="0"/>
+              <a:t> object/instance using the class name and parentheses</a:t>
+            </a:r>
+          </a:p>
+          <a:p>
+            <a:r>
+              <a:rPr lang="en-US" dirty="0"/>
+              <a:t>Here, we explicitly create new fields within a </a:t>
+            </a:r>
+            <a:r>
+              <a:rPr lang="en-US" b="1" dirty="0"/>
+              <a:t>Book</a:t>
+            </a:r>
+            <a:r>
+              <a:rPr lang="en-US" dirty="0"/>
+              <a:t> object by assignment</a:t>
+            </a:r>
+          </a:p>
+          <a:p>
+            <a:r>
+              <a:rPr lang="en-US" dirty="0"/>
+              <a:t>Notice: </a:t>
+            </a:r>
+            <a:r>
+              <a:rPr lang="en-US" b="1" dirty="0" err="1"/>
+              <a:t>b.title</a:t>
+            </a:r>
+            <a:r>
+              <a:rPr lang="en-US" dirty="0"/>
+              <a:t> vs </a:t>
+            </a:r>
+            <a:r>
+              <a:rPr lang="en-US" b="1" dirty="0"/>
+              <a:t>b['title']</a:t>
+            </a:r>
+            <a:r>
+              <a:rPr lang="en-US" dirty="0"/>
+              <a:t> notation</a:t>
+            </a:r>
+          </a:p>
+          <a:p>
+            <a:r>
+              <a:rPr lang="en-US" dirty="0"/>
+              <a:t>There is one </a:t>
+            </a:r>
+            <a:r>
+              <a:rPr lang="en-US" b="1" dirty="0"/>
+              <a:t>Book</a:t>
+            </a:r>
+            <a:r>
+              <a:rPr lang="en-US" dirty="0"/>
+              <a:t> definition but there can be many instances</a:t>
+            </a:r>
+          </a:p>
+        </p:txBody>
+      </p:sp>
+      <p:pic>
+        <p:nvPicPr>
+          <p:cNvPr id="5" name="Picture 4">
+            <a:extLst>
+              <a:ext uri="{FF2B5EF4-FFF2-40B4-BE49-F238E27FC236}">
+                <a16:creationId xmlns:a16="http://schemas.microsoft.com/office/drawing/2014/main" id="{A015DE31-4D31-2946-A7FA-C490286AFAB2}"/>
+              </a:ext>
+            </a:extLst>
+          </p:cNvPr>
+          <p:cNvPicPr>
+            <a:picLocks noChangeAspect="1"/>
+          </p:cNvPicPr>
+          <p:nvPr/>
+        </p:nvPicPr>
+        <p:blipFill>
+          <a:blip r:embed="rId2"/>
+          <a:stretch>
+            <a:fillRect/>
+          </a:stretch>
+        </p:blipFill>
+        <p:spPr>
+          <a:xfrm>
+            <a:off x="8332857" y="1690688"/>
+            <a:ext cx="3378200" cy="4254500"/>
+          </a:xfrm>
+          <a:prstGeom prst="rect">
+            <a:avLst/>
+          </a:prstGeom>
+        </p:spPr>
+      </p:pic>
+      <p:pic>
+        <p:nvPicPr>
+          <p:cNvPr id="10" name="Picture 9">
+            <a:extLst>
+              <a:ext uri="{FF2B5EF4-FFF2-40B4-BE49-F238E27FC236}">
+                <a16:creationId xmlns:a16="http://schemas.microsoft.com/office/drawing/2014/main" id="{8886D2CC-C90A-164E-9015-04396159465F}"/>
+              </a:ext>
+            </a:extLst>
+          </p:cNvPr>
+          <p:cNvPicPr>
+            <a:picLocks noChangeAspect="1"/>
+          </p:cNvPicPr>
+          <p:nvPr/>
+        </p:nvPicPr>
+        <p:blipFill>
+          <a:blip r:embed="rId3"/>
+          <a:stretch>
+            <a:fillRect/>
+          </a:stretch>
+        </p:blipFill>
+        <p:spPr>
+          <a:xfrm>
+            <a:off x="9452113" y="77856"/>
+            <a:ext cx="2667000" cy="838200"/>
+          </a:xfrm>
+          <a:prstGeom prst="rect">
+            <a:avLst/>
+          </a:prstGeom>
+        </p:spPr>
+      </p:pic>
+    </p:spTree>
+    <p:extLst>
+      <p:ext uri="{BB962C8B-B14F-4D97-AF65-F5344CB8AC3E}">
+        <p14:creationId xmlns:p14="http://schemas.microsoft.com/office/powerpoint/2010/main" val="2758815283"/>
+      </p:ext>
+    </p:extLst>
+  </p:cSld>
+  <p:clrMapOvr>
+    <a:masterClrMapping/>
+  </p:clrMapOvr>
+</p:sld>
+</file>
+
+<file path=ppt/slides/slide11.xml><?xml version="1.0" encoding="utf-8"?>
+<p:sld xmlns:a="http://schemas.openxmlformats.org/drawingml/2006/main" xmlns:r="http://schemas.openxmlformats.org/officeDocument/2006/relationships" xmlns:p="http://schemas.openxmlformats.org/presentationml/2006/main">
+  <p:cSld>
+    <p:spTree>
+      <p:nvGrpSpPr>
+        <p:cNvPr id="1" name=""/>
+        <p:cNvGrpSpPr/>
+        <p:nvPr/>
+      </p:nvGrpSpPr>
+      <p:grpSpPr>
+        <a:xfrm>
+          <a:off x="0" y="0"/>
+          <a:ext cx="0" cy="0"/>
+          <a:chOff x="0" y="0"/>
+          <a:chExt cx="0" cy="0"/>
+        </a:xfrm>
+      </p:grpSpPr>
+      <p:sp>
+        <p:nvSpPr>
+          <p:cNvPr id="2" name="Title 1">
+            <a:extLst>
+              <a:ext uri="{FF2B5EF4-FFF2-40B4-BE49-F238E27FC236}">
+                <a16:creationId xmlns:a16="http://schemas.microsoft.com/office/drawing/2014/main" id="{0B4FE084-5FB2-1646-AC33-1EBE6AFBDE4A}"/>
+              </a:ext>
+            </a:extLst>
+          </p:cNvPr>
+          <p:cNvSpPr>
+            <a:spLocks noGrp="1"/>
+          </p:cNvSpPr>
+          <p:nvPr>
+            <p:ph type="title"/>
+          </p:nvPr>
+        </p:nvSpPr>
+        <p:spPr/>
+        <p:txBody>
+          <a:bodyPr/>
+          <a:lstStyle/>
+          <a:p>
+            <a:r>
+              <a:rPr lang="en-US" dirty="0"/>
+              <a:t>Associating a function to a class</a:t>
+            </a:r>
+          </a:p>
+        </p:txBody>
+      </p:sp>
+      <p:sp>
+        <p:nvSpPr>
+          <p:cNvPr id="3" name="Content Placeholder 2">
+            <a:extLst>
+              <a:ext uri="{FF2B5EF4-FFF2-40B4-BE49-F238E27FC236}">
+                <a16:creationId xmlns:a16="http://schemas.microsoft.com/office/drawing/2014/main" id="{D4E02E59-BCCE-C144-8E46-FFA5FAC166EC}"/>
+              </a:ext>
+            </a:extLst>
+          </p:cNvPr>
+          <p:cNvSpPr>
+            <a:spLocks noGrp="1"/>
+          </p:cNvSpPr>
+          <p:nvPr>
+            <p:ph idx="1"/>
+          </p:nvPr>
+        </p:nvSpPr>
+        <p:spPr/>
+        <p:txBody>
+          <a:bodyPr/>
+          <a:lstStyle/>
+          <a:p>
+            <a:r>
+              <a:rPr lang="en-US" dirty="0"/>
+              <a:t>As with fields for a specific instance, we can assign a function to the class definition using an assignment</a:t>
+            </a:r>
+          </a:p>
+          <a:p>
+            <a:r>
+              <a:rPr lang="en-US" dirty="0"/>
+              <a:t>Then we can use OO notation </a:t>
+            </a:r>
+            <a:r>
+              <a:rPr lang="en-US" b="1" dirty="0" err="1"/>
+              <a:t>b.show</a:t>
+            </a:r>
+            <a:r>
+              <a:rPr lang="en-US" b="1" dirty="0"/>
+              <a:t>()</a:t>
+            </a:r>
+            <a:r>
+              <a:rPr lang="en-US" dirty="0"/>
+              <a:t> instead of </a:t>
+            </a:r>
+            <a:r>
+              <a:rPr lang="en-US" b="1" dirty="0"/>
+              <a:t>show(b)</a:t>
+            </a:r>
+          </a:p>
+        </p:txBody>
+      </p:sp>
+      <p:pic>
+        <p:nvPicPr>
+          <p:cNvPr id="5" name="Picture 4">
+            <a:extLst>
+              <a:ext uri="{FF2B5EF4-FFF2-40B4-BE49-F238E27FC236}">
+                <a16:creationId xmlns:a16="http://schemas.microsoft.com/office/drawing/2014/main" id="{3D7514F3-E291-364F-9329-79B3C7FBCF0F}"/>
+              </a:ext>
+            </a:extLst>
+          </p:cNvPr>
+          <p:cNvPicPr>
+            <a:picLocks noChangeAspect="1"/>
+          </p:cNvPicPr>
+          <p:nvPr/>
+        </p:nvPicPr>
+        <p:blipFill>
+          <a:blip r:embed="rId2"/>
+          <a:stretch>
+            <a:fillRect/>
+          </a:stretch>
+        </p:blipFill>
+        <p:spPr>
+          <a:xfrm>
+            <a:off x="3456333" y="3560763"/>
+            <a:ext cx="4762500" cy="2616200"/>
+          </a:xfrm>
+          <a:prstGeom prst="rect">
+            <a:avLst/>
+          </a:prstGeom>
+        </p:spPr>
+      </p:pic>
+    </p:spTree>
+    <p:extLst>
+      <p:ext uri="{BB962C8B-B14F-4D97-AF65-F5344CB8AC3E}">
+        <p14:creationId xmlns:p14="http://schemas.microsoft.com/office/powerpoint/2010/main" val="2752952769"/>
+      </p:ext>
+    </p:extLst>
+  </p:cSld>
+  <p:clrMapOvr>
+    <a:masterClrMapping/>
+  </p:clrMapOvr>
+</p:sld>
+</file>
+
+<file path=ppt/slides/slide12.xml><?xml version="1.0" encoding="utf-8"?>
+<p:sld xmlns:a="http://schemas.openxmlformats.org/drawingml/2006/main" xmlns:r="http://schemas.openxmlformats.org/officeDocument/2006/relationships" xmlns:p="http://schemas.openxmlformats.org/presentationml/2006/main">
+  <p:cSld>
+    <p:spTree>
+      <p:nvGrpSpPr>
+        <p:cNvPr id="1" name=""/>
+        <p:cNvGrpSpPr/>
+        <p:nvPr/>
+      </p:nvGrpSpPr>
+      <p:grpSpPr>
+        <a:xfrm>
+          <a:off x="0" y="0"/>
+          <a:ext cx="0" cy="0"/>
+          <a:chOff x="0" y="0"/>
+          <a:chExt cx="0" cy="0"/>
+        </a:xfrm>
+      </p:grpSpPr>
+      <p:sp>
+        <p:nvSpPr>
+          <p:cNvPr id="2" name="Title 1">
+            <a:extLst>
+              <a:ext uri="{FF2B5EF4-FFF2-40B4-BE49-F238E27FC236}">
+                <a16:creationId xmlns:a16="http://schemas.microsoft.com/office/drawing/2014/main" id="{46DE3612-D70B-4A41-B9A6-342710BFA3C9}"/>
+              </a:ext>
+            </a:extLst>
+          </p:cNvPr>
+          <p:cNvSpPr>
+            <a:spLocks noGrp="1"/>
+          </p:cNvSpPr>
+          <p:nvPr>
+            <p:ph type="title"/>
+          </p:nvPr>
+        </p:nvSpPr>
+        <p:spPr/>
+        <p:txBody>
+          <a:bodyPr/>
+          <a:lstStyle/>
+          <a:p>
+            <a:r>
+              <a:rPr lang="en-US" dirty="0"/>
+              <a:t>Defining a constructor method</a:t>
+            </a:r>
+          </a:p>
+        </p:txBody>
+      </p:sp>
+      <p:sp>
+        <p:nvSpPr>
+          <p:cNvPr id="3" name="Content Placeholder 2">
+            <a:extLst>
+              <a:ext uri="{FF2B5EF4-FFF2-40B4-BE49-F238E27FC236}">
+                <a16:creationId xmlns:a16="http://schemas.microsoft.com/office/drawing/2014/main" id="{FD0461F3-8FC6-2C4C-A159-243DFB94070B}"/>
+              </a:ext>
+            </a:extLst>
+          </p:cNvPr>
+          <p:cNvSpPr>
+            <a:spLocks noGrp="1"/>
+          </p:cNvSpPr>
+          <p:nvPr>
+            <p:ph idx="1"/>
+          </p:nvPr>
+        </p:nvSpPr>
+        <p:spPr/>
+        <p:txBody>
+          <a:bodyPr/>
+          <a:lstStyle/>
+          <a:p>
+            <a:r>
+              <a:rPr lang="en-US" dirty="0"/>
+              <a:t>Associating fields &amp; functions to objects &amp; classes with assignments is awkward; better to nest methods within classes</a:t>
+            </a:r>
+          </a:p>
+          <a:p>
+            <a:r>
+              <a:rPr lang="en-US" dirty="0"/>
+              <a:t>Let's start by defining a constructor that sets initial and default field values based upon the arguments</a:t>
+            </a:r>
+          </a:p>
+        </p:txBody>
+      </p:sp>
+      <p:pic>
+        <p:nvPicPr>
+          <p:cNvPr id="5" name="Picture 4">
+            <a:extLst>
+              <a:ext uri="{FF2B5EF4-FFF2-40B4-BE49-F238E27FC236}">
+                <a16:creationId xmlns:a16="http://schemas.microsoft.com/office/drawing/2014/main" id="{86FF3D80-7F1A-8A41-96B7-9B83969580DE}"/>
+              </a:ext>
+            </a:extLst>
+          </p:cNvPr>
+          <p:cNvPicPr>
+            <a:picLocks noChangeAspect="1"/>
+          </p:cNvPicPr>
+          <p:nvPr/>
+        </p:nvPicPr>
+        <p:blipFill>
+          <a:blip r:embed="rId2"/>
+          <a:stretch>
+            <a:fillRect/>
+          </a:stretch>
+        </p:blipFill>
+        <p:spPr>
+          <a:xfrm>
+            <a:off x="1157633" y="3694596"/>
+            <a:ext cx="5245100" cy="1752600"/>
+          </a:xfrm>
+          <a:prstGeom prst="rect">
+            <a:avLst/>
+          </a:prstGeom>
+        </p:spPr>
+      </p:pic>
+      <p:pic>
+        <p:nvPicPr>
+          <p:cNvPr id="7" name="Picture 6">
+            <a:extLst>
+              <a:ext uri="{FF2B5EF4-FFF2-40B4-BE49-F238E27FC236}">
+                <a16:creationId xmlns:a16="http://schemas.microsoft.com/office/drawing/2014/main" id="{C1A0C8B2-CBA2-C54B-B610-32F2097975BB}"/>
+              </a:ext>
+            </a:extLst>
+          </p:cNvPr>
+          <p:cNvPicPr>
+            <a:picLocks noChangeAspect="1"/>
+          </p:cNvPicPr>
+          <p:nvPr/>
+        </p:nvPicPr>
+        <p:blipFill>
+          <a:blip r:embed="rId3"/>
+          <a:stretch>
+            <a:fillRect/>
+          </a:stretch>
+        </p:blipFill>
+        <p:spPr>
+          <a:xfrm>
+            <a:off x="6722166" y="3734352"/>
+            <a:ext cx="4902200" cy="2247900"/>
+          </a:xfrm>
+          <a:prstGeom prst="rect">
+            <a:avLst/>
+          </a:prstGeom>
+        </p:spPr>
+      </p:pic>
+      <p:pic>
+        <p:nvPicPr>
+          <p:cNvPr id="9" name="Picture 8">
+            <a:extLst>
+              <a:ext uri="{FF2B5EF4-FFF2-40B4-BE49-F238E27FC236}">
+                <a16:creationId xmlns:a16="http://schemas.microsoft.com/office/drawing/2014/main" id="{61723561-680F-804F-B68A-D2EFDA349C08}"/>
+              </a:ext>
+            </a:extLst>
+          </p:cNvPr>
+          <p:cNvPicPr>
+            <a:picLocks noChangeAspect="1"/>
+          </p:cNvPicPr>
+          <p:nvPr/>
+        </p:nvPicPr>
+        <p:blipFill>
+          <a:blip r:embed="rId4"/>
+          <a:stretch>
+            <a:fillRect/>
+          </a:stretch>
+        </p:blipFill>
+        <p:spPr>
+          <a:xfrm>
+            <a:off x="8995742" y="122237"/>
+            <a:ext cx="3086100" cy="558800"/>
+          </a:xfrm>
+          <a:prstGeom prst="rect">
+            <a:avLst/>
+          </a:prstGeom>
+        </p:spPr>
+      </p:pic>
+      <p:sp>
+        <p:nvSpPr>
+          <p:cNvPr id="10" name="Rectangle 9">
+            <a:extLst>
+              <a:ext uri="{FF2B5EF4-FFF2-40B4-BE49-F238E27FC236}">
+                <a16:creationId xmlns:a16="http://schemas.microsoft.com/office/drawing/2014/main" id="{077C728D-ADA9-2145-9578-96B14961F87D}"/>
+              </a:ext>
+            </a:extLst>
+          </p:cNvPr>
+          <p:cNvSpPr/>
+          <p:nvPr/>
+        </p:nvSpPr>
+        <p:spPr>
+          <a:xfrm>
+            <a:off x="9771069" y="-13251"/>
+            <a:ext cx="1171913" cy="1323439"/>
+          </a:xfrm>
+          <a:prstGeom prst="rect">
+            <a:avLst/>
+          </a:prstGeom>
+        </p:spPr>
+        <p:txBody>
+          <a:bodyPr wrap="square">
+            <a:spAutoFit/>
+          </a:bodyPr>
+          <a:lstStyle/>
+          <a:p>
+            <a:r>
+              <a:rPr lang="en-US" sz="8000" dirty="0"/>
+              <a:t>🚫</a:t>
+            </a:r>
+          </a:p>
+        </p:txBody>
+      </p:sp>
+      <p:sp>
+        <p:nvSpPr>
+          <p:cNvPr id="11" name="TextBox 10">
+            <a:extLst>
+              <a:ext uri="{FF2B5EF4-FFF2-40B4-BE49-F238E27FC236}">
+                <a16:creationId xmlns:a16="http://schemas.microsoft.com/office/drawing/2014/main" id="{A512621E-3E57-F040-82E4-091437FB5690}"/>
+              </a:ext>
+            </a:extLst>
+          </p:cNvPr>
+          <p:cNvSpPr txBox="1"/>
+          <p:nvPr/>
+        </p:nvSpPr>
+        <p:spPr>
+          <a:xfrm>
+            <a:off x="1300337" y="5770497"/>
+            <a:ext cx="5019387" cy="369332"/>
+          </a:xfrm>
+          <a:prstGeom prst="rect">
+            <a:avLst/>
+          </a:prstGeom>
+          <a:noFill/>
+        </p:spPr>
+        <p:txBody>
+          <a:bodyPr wrap="none" rtlCol="0">
+            <a:spAutoFit/>
+          </a:bodyPr>
+          <a:lstStyle/>
+          <a:p>
+            <a:r>
+              <a:rPr lang="en-US" i="1" dirty="0"/>
+              <a:t>Yes, </a:t>
+            </a:r>
+            <a:r>
+              <a:rPr lang="en-US" b="1" dirty="0"/>
+              <a:t>__</a:t>
+            </a:r>
+            <a:r>
+              <a:rPr lang="en-US" b="1" dirty="0" err="1"/>
+              <a:t>init</a:t>
+            </a:r>
+            <a:r>
+              <a:rPr lang="en-US" b="1" dirty="0"/>
+              <a:t>__</a:t>
+            </a:r>
+            <a:r>
+              <a:rPr lang="en-US" i="1" dirty="0"/>
+              <a:t> is a convention (and super weird)</a:t>
+            </a:r>
+          </a:p>
+        </p:txBody>
+      </p:sp>
+    </p:spTree>
+    <p:extLst>
+      <p:ext uri="{BB962C8B-B14F-4D97-AF65-F5344CB8AC3E}">
+        <p14:creationId xmlns:p14="http://schemas.microsoft.com/office/powerpoint/2010/main" val="4216178820"/>
+      </p:ext>
+    </p:extLst>
+  </p:cSld>
+  <p:clrMapOvr>
+    <a:masterClrMapping/>
+  </p:clrMapOvr>
+</p:sld>
+</file>
+
+<file path=ppt/slides/slide13.xml><?xml version="1.0" encoding="utf-8"?>
+<p:sld xmlns:a="http://schemas.openxmlformats.org/drawingml/2006/main" xmlns:r="http://schemas.openxmlformats.org/officeDocument/2006/relationships" xmlns:p="http://schemas.openxmlformats.org/presentationml/2006/main">
+  <p:cSld>
+    <p:spTree>
+      <p:nvGrpSpPr>
+        <p:cNvPr id="1" name=""/>
+        <p:cNvGrpSpPr/>
+        <p:nvPr/>
+      </p:nvGrpSpPr>
+      <p:grpSpPr>
+        <a:xfrm>
+          <a:off x="0" y="0"/>
+          <a:ext cx="0" cy="0"/>
+          <a:chOff x="0" y="0"/>
+          <a:chExt cx="0" cy="0"/>
+        </a:xfrm>
+      </p:grpSpPr>
+      <p:sp>
+        <p:nvSpPr>
+          <p:cNvPr id="2" name="Title 1">
+            <a:extLst>
+              <a:ext uri="{FF2B5EF4-FFF2-40B4-BE49-F238E27FC236}">
+                <a16:creationId xmlns:a16="http://schemas.microsoft.com/office/drawing/2014/main" id="{844D07AA-159C-C947-B709-DDAE4E1AB6DC}"/>
+              </a:ext>
+            </a:extLst>
+          </p:cNvPr>
+          <p:cNvSpPr>
+            <a:spLocks noGrp="1"/>
+          </p:cNvSpPr>
+          <p:nvPr>
+            <p:ph type="title"/>
+          </p:nvPr>
+        </p:nvSpPr>
+        <p:spPr/>
+        <p:txBody>
+          <a:bodyPr/>
+          <a:lstStyle/>
+          <a:p>
+            <a:r>
+              <a:rPr lang="en-US" dirty="0"/>
+              <a:t>Another common method to implement</a:t>
+            </a:r>
+          </a:p>
+        </p:txBody>
+      </p:sp>
+      <p:sp>
+        <p:nvSpPr>
+          <p:cNvPr id="7" name="Content Placeholder 6">
+            <a:extLst>
+              <a:ext uri="{FF2B5EF4-FFF2-40B4-BE49-F238E27FC236}">
+                <a16:creationId xmlns:a16="http://schemas.microsoft.com/office/drawing/2014/main" id="{F932D2AA-0BAB-B047-8538-CB2F86320CD5}"/>
+              </a:ext>
+            </a:extLst>
+          </p:cNvPr>
+          <p:cNvSpPr>
+            <a:spLocks noGrp="1"/>
+          </p:cNvSpPr>
+          <p:nvPr>
+            <p:ph idx="1"/>
+          </p:nvPr>
+        </p:nvSpPr>
+        <p:spPr>
+          <a:xfrm>
+            <a:off x="838200" y="1610139"/>
+            <a:ext cx="10515600" cy="4566824"/>
+          </a:xfrm>
+        </p:spPr>
+        <p:txBody>
+          <a:bodyPr/>
+          <a:lstStyle/>
+          <a:p>
+            <a:r>
+              <a:rPr lang="en-US" dirty="0"/>
+              <a:t>Objects don't know how to display themselves by default:</a:t>
+            </a:r>
+          </a:p>
+          <a:p>
+            <a:endParaRPr lang="en-US" dirty="0"/>
+          </a:p>
+          <a:p>
+            <a:endParaRPr lang="en-US" dirty="0"/>
+          </a:p>
+          <a:p>
+            <a:endParaRPr lang="en-US" dirty="0"/>
+          </a:p>
+          <a:p>
+            <a:r>
+              <a:rPr lang="en-US" dirty="0"/>
+              <a:t>We have to define a method</a:t>
+            </a:r>
+          </a:p>
+        </p:txBody>
+      </p:sp>
+      <p:pic>
+        <p:nvPicPr>
+          <p:cNvPr id="8" name="Content Placeholder 4">
+            <a:extLst>
+              <a:ext uri="{FF2B5EF4-FFF2-40B4-BE49-F238E27FC236}">
+                <a16:creationId xmlns:a16="http://schemas.microsoft.com/office/drawing/2014/main" id="{CFFD0DBB-EB72-1D43-92EB-BD8D299BE8C1}"/>
+              </a:ext>
+            </a:extLst>
+          </p:cNvPr>
+          <p:cNvPicPr>
+            <a:picLocks noChangeAspect="1"/>
+          </p:cNvPicPr>
+          <p:nvPr/>
+        </p:nvPicPr>
+        <p:blipFill>
+          <a:blip r:embed="rId2"/>
+          <a:stretch>
+            <a:fillRect/>
+          </a:stretch>
+        </p:blipFill>
+        <p:spPr>
+          <a:xfrm>
+            <a:off x="1211470" y="2222500"/>
+            <a:ext cx="5448300" cy="977900"/>
+          </a:xfrm>
+          <a:prstGeom prst="rect">
+            <a:avLst/>
+          </a:prstGeom>
+        </p:spPr>
+      </p:pic>
+      <p:pic>
+        <p:nvPicPr>
+          <p:cNvPr id="10" name="Picture 9">
+            <a:extLst>
+              <a:ext uri="{FF2B5EF4-FFF2-40B4-BE49-F238E27FC236}">
+                <a16:creationId xmlns:a16="http://schemas.microsoft.com/office/drawing/2014/main" id="{40D6310D-984D-3841-86A7-9C9E18FEED78}"/>
+              </a:ext>
+            </a:extLst>
+          </p:cNvPr>
+          <p:cNvPicPr>
+            <a:picLocks noChangeAspect="1"/>
+          </p:cNvPicPr>
+          <p:nvPr/>
+        </p:nvPicPr>
+        <p:blipFill>
+          <a:blip r:embed="rId3"/>
+          <a:stretch>
+            <a:fillRect/>
+          </a:stretch>
+        </p:blipFill>
+        <p:spPr>
+          <a:xfrm>
+            <a:off x="1211470" y="4231861"/>
+            <a:ext cx="10007600" cy="2032000"/>
+          </a:xfrm>
+          <a:prstGeom prst="rect">
+            <a:avLst/>
+          </a:prstGeom>
+        </p:spPr>
+      </p:pic>
+      <p:pic>
+        <p:nvPicPr>
+          <p:cNvPr id="12" name="Picture 11">
+            <a:extLst>
+              <a:ext uri="{FF2B5EF4-FFF2-40B4-BE49-F238E27FC236}">
+                <a16:creationId xmlns:a16="http://schemas.microsoft.com/office/drawing/2014/main" id="{779D2A21-1E02-214D-B272-0E698F70B7B3}"/>
+              </a:ext>
+            </a:extLst>
+          </p:cNvPr>
+          <p:cNvPicPr>
+            <a:picLocks noChangeAspect="1"/>
+          </p:cNvPicPr>
+          <p:nvPr/>
+        </p:nvPicPr>
+        <p:blipFill>
+          <a:blip r:embed="rId4"/>
+          <a:stretch>
+            <a:fillRect/>
+          </a:stretch>
+        </p:blipFill>
+        <p:spPr>
+          <a:xfrm>
+            <a:off x="7361859" y="2232439"/>
+            <a:ext cx="4584700" cy="914400"/>
+          </a:xfrm>
+          <a:prstGeom prst="rect">
+            <a:avLst/>
+          </a:prstGeom>
+        </p:spPr>
+      </p:pic>
+      <p:cxnSp>
+        <p:nvCxnSpPr>
+          <p:cNvPr id="14" name="Straight Connector 13">
+            <a:extLst>
+              <a:ext uri="{FF2B5EF4-FFF2-40B4-BE49-F238E27FC236}">
+                <a16:creationId xmlns:a16="http://schemas.microsoft.com/office/drawing/2014/main" id="{FE7DFDD9-2F99-244B-A172-17D358B1757A}"/>
+              </a:ext>
+            </a:extLst>
+          </p:cNvPr>
+          <p:cNvCxnSpPr>
+            <a:cxnSpLocks/>
+          </p:cNvCxnSpPr>
+          <p:nvPr/>
+        </p:nvCxnSpPr>
+        <p:spPr>
+          <a:xfrm>
+            <a:off x="7025309" y="2075967"/>
+            <a:ext cx="0" cy="1174129"/>
+          </a:xfrm>
+          <a:prstGeom prst="line">
+            <a:avLst/>
+          </a:prstGeom>
+        </p:spPr>
+        <p:style>
+          <a:lnRef idx="1">
+            <a:schemeClr val="accent1"/>
+          </a:lnRef>
+          <a:fillRef idx="0">
+            <a:schemeClr val="accent1"/>
+          </a:fillRef>
+          <a:effectRef idx="0">
+            <a:schemeClr val="accent1"/>
+          </a:effectRef>
+          <a:fontRef idx="minor">
+            <a:schemeClr val="tx1"/>
+          </a:fontRef>
+        </p:style>
+      </p:cxnSp>
+    </p:spTree>
+    <p:extLst>
+      <p:ext uri="{BB962C8B-B14F-4D97-AF65-F5344CB8AC3E}">
+        <p14:creationId xmlns:p14="http://schemas.microsoft.com/office/powerpoint/2010/main" val="1467708642"/>
+      </p:ext>
+    </p:extLst>
+  </p:cSld>
+  <p:clrMapOvr>
+    <a:masterClrMapping/>
+  </p:clrMapOvr>
+</p:sld>
+</file>
+
+<file path=ppt/slides/slide14.xml><?xml version="1.0" encoding="utf-8"?>
+<p:sld xmlns:a="http://schemas.openxmlformats.org/drawingml/2006/main" xmlns:r="http://schemas.openxmlformats.org/officeDocument/2006/relationships" xmlns:p="http://schemas.openxmlformats.org/presentationml/2006/main">
+  <p:cSld>
+    <p:spTree>
+      <p:nvGrpSpPr>
+        <p:cNvPr id="1" name=""/>
+        <p:cNvGrpSpPr/>
+        <p:nvPr/>
+      </p:nvGrpSpPr>
+      <p:grpSpPr>
+        <a:xfrm>
+          <a:off x="0" y="0"/>
+          <a:ext cx="0" cy="0"/>
+          <a:chOff x="0" y="0"/>
+          <a:chExt cx="0" cy="0"/>
+        </a:xfrm>
+      </p:grpSpPr>
+      <p:sp>
+        <p:nvSpPr>
+          <p:cNvPr id="2" name="Title 1">
+            <a:extLst>
+              <a:ext uri="{FF2B5EF4-FFF2-40B4-BE49-F238E27FC236}">
+                <a16:creationId xmlns:a16="http://schemas.microsoft.com/office/drawing/2014/main" id="{5E97BD01-4CE2-B340-A5AB-8BD18ABB5047}"/>
+              </a:ext>
+            </a:extLst>
+          </p:cNvPr>
+          <p:cNvSpPr>
+            <a:spLocks noGrp="1"/>
+          </p:cNvSpPr>
+          <p:nvPr>
+            <p:ph type="title"/>
+          </p:nvPr>
+        </p:nvSpPr>
+        <p:spPr/>
+        <p:txBody>
+          <a:bodyPr/>
+          <a:lstStyle/>
+          <a:p>
+            <a:r>
+              <a:rPr lang="en-US" dirty="0"/>
+              <a:t>Focus on your "self"</a:t>
+            </a:r>
+          </a:p>
+        </p:txBody>
+      </p:sp>
+      <p:sp>
+        <p:nvSpPr>
+          <p:cNvPr id="3" name="Content Placeholder 2">
+            <a:extLst>
+              <a:ext uri="{FF2B5EF4-FFF2-40B4-BE49-F238E27FC236}">
+                <a16:creationId xmlns:a16="http://schemas.microsoft.com/office/drawing/2014/main" id="{29E1E791-6931-C746-BD85-3842C68F9120}"/>
+              </a:ext>
+            </a:extLst>
+          </p:cNvPr>
+          <p:cNvSpPr>
+            <a:spLocks noGrp="1"/>
+          </p:cNvSpPr>
+          <p:nvPr>
+            <p:ph idx="1"/>
+          </p:nvPr>
+        </p:nvSpPr>
+        <p:spPr>
+          <a:xfrm>
+            <a:off x="838200" y="1580322"/>
+            <a:ext cx="10515600" cy="4596641"/>
+          </a:xfrm>
+        </p:spPr>
+        <p:txBody>
+          <a:bodyPr/>
+          <a:lstStyle/>
+          <a:p>
+            <a:r>
+              <a:rPr lang="en-US" dirty="0"/>
+              <a:t>In methods, you must refer to fields and other methods by prefixing them with "</a:t>
+            </a:r>
+            <a:r>
+              <a:rPr lang="en-US" b="1" dirty="0"/>
+              <a:t>self.</a:t>
+            </a:r>
+            <a:r>
+              <a:rPr lang="en-US" dirty="0"/>
+              <a:t>"</a:t>
+            </a:r>
+          </a:p>
+        </p:txBody>
+      </p:sp>
+      <p:pic>
+        <p:nvPicPr>
+          <p:cNvPr id="5" name="Picture 4">
+            <a:extLst>
+              <a:ext uri="{FF2B5EF4-FFF2-40B4-BE49-F238E27FC236}">
+                <a16:creationId xmlns:a16="http://schemas.microsoft.com/office/drawing/2014/main" id="{BCD3E99A-D804-ED4F-A908-8FCC332903BE}"/>
+              </a:ext>
+            </a:extLst>
+          </p:cNvPr>
+          <p:cNvPicPr>
+            <a:picLocks noChangeAspect="1"/>
+          </p:cNvPicPr>
+          <p:nvPr/>
+        </p:nvPicPr>
+        <p:blipFill>
+          <a:blip r:embed="rId2"/>
+          <a:stretch>
+            <a:fillRect/>
+          </a:stretch>
+        </p:blipFill>
+        <p:spPr>
+          <a:xfrm>
+            <a:off x="1190764" y="2544694"/>
+            <a:ext cx="9055100" cy="1689100"/>
+          </a:xfrm>
+          <a:prstGeom prst="rect">
+            <a:avLst/>
+          </a:prstGeom>
+        </p:spPr>
+      </p:pic>
+      <p:pic>
+        <p:nvPicPr>
+          <p:cNvPr id="7" name="Picture 6">
+            <a:extLst>
+              <a:ext uri="{FF2B5EF4-FFF2-40B4-BE49-F238E27FC236}">
+                <a16:creationId xmlns:a16="http://schemas.microsoft.com/office/drawing/2014/main" id="{AC976C51-DC5C-5A4A-9B2D-DF941DCAC80F}"/>
+              </a:ext>
+            </a:extLst>
+          </p:cNvPr>
+          <p:cNvPicPr>
+            <a:picLocks noChangeAspect="1"/>
+          </p:cNvPicPr>
+          <p:nvPr/>
+        </p:nvPicPr>
+        <p:blipFill>
+          <a:blip r:embed="rId3"/>
+          <a:stretch>
+            <a:fillRect/>
+          </a:stretch>
+        </p:blipFill>
+        <p:spPr>
+          <a:xfrm>
+            <a:off x="1190764" y="4397548"/>
+            <a:ext cx="5092700" cy="2311400"/>
+          </a:xfrm>
+          <a:prstGeom prst="rect">
+            <a:avLst/>
+          </a:prstGeom>
+        </p:spPr>
+      </p:pic>
+      <p:pic>
+        <p:nvPicPr>
+          <p:cNvPr id="9" name="Picture 8">
+            <a:extLst>
+              <a:ext uri="{FF2B5EF4-FFF2-40B4-BE49-F238E27FC236}">
+                <a16:creationId xmlns:a16="http://schemas.microsoft.com/office/drawing/2014/main" id="{B5152A66-7A9F-1040-A7C6-13C769E7CA18}"/>
+              </a:ext>
+            </a:extLst>
+          </p:cNvPr>
+          <p:cNvPicPr>
+            <a:picLocks noChangeAspect="1"/>
+          </p:cNvPicPr>
+          <p:nvPr/>
+        </p:nvPicPr>
+        <p:blipFill>
+          <a:blip r:embed="rId4"/>
+          <a:stretch>
+            <a:fillRect/>
+          </a:stretch>
+        </p:blipFill>
+        <p:spPr>
+          <a:xfrm>
+            <a:off x="6646797" y="4397548"/>
+            <a:ext cx="5168900" cy="2006600"/>
+          </a:xfrm>
+          <a:prstGeom prst="rect">
+            <a:avLst/>
+          </a:prstGeom>
+        </p:spPr>
+      </p:pic>
+    </p:spTree>
+    <p:extLst>
+      <p:ext uri="{BB962C8B-B14F-4D97-AF65-F5344CB8AC3E}">
+        <p14:creationId xmlns:p14="http://schemas.microsoft.com/office/powerpoint/2010/main" val="453211702"/>
+      </p:ext>
+    </p:extLst>
+  </p:cSld>
+  <p:clrMapOvr>
+    <a:masterClrMapping/>
+  </p:clrMapOvr>
+</p:sld>
+</file>
+
+<file path=ppt/slides/slide15.xml><?xml version="1.0" encoding="utf-8"?>
+<p:sld xmlns:a="http://schemas.openxmlformats.org/drawingml/2006/main" xmlns:r="http://schemas.openxmlformats.org/officeDocument/2006/relationships" xmlns:p="http://schemas.openxmlformats.org/presentationml/2006/main">
+  <p:cSld>
+    <p:spTree>
+      <p:nvGrpSpPr>
+        <p:cNvPr id="1" name=""/>
+        <p:cNvGrpSpPr/>
+        <p:nvPr/>
+      </p:nvGrpSpPr>
+      <p:grpSpPr>
+        <a:xfrm>
+          <a:off x="0" y="0"/>
+          <a:ext cx="0" cy="0"/>
+          <a:chOff x="0" y="0"/>
+          <a:chExt cx="0" cy="0"/>
+        </a:xfrm>
+      </p:grpSpPr>
+      <p:sp>
+        <p:nvSpPr>
+          <p:cNvPr id="2" name="Title 1">
+            <a:extLst>
+              <a:ext uri="{FF2B5EF4-FFF2-40B4-BE49-F238E27FC236}">
+                <a16:creationId xmlns:a16="http://schemas.microsoft.com/office/drawing/2014/main" id="{28414ABD-F42C-344A-9E06-4F57A4186B96}"/>
+              </a:ext>
+            </a:extLst>
+          </p:cNvPr>
+          <p:cNvSpPr>
+            <a:spLocks noGrp="1"/>
+          </p:cNvSpPr>
+          <p:nvPr>
+            <p:ph type="title"/>
+          </p:nvPr>
+        </p:nvSpPr>
+        <p:spPr/>
+        <p:txBody>
+          <a:bodyPr/>
+          <a:lstStyle/>
+          <a:p>
+            <a:r>
+              <a:rPr lang="en-US" dirty="0"/>
+              <a:t>Understanding methods versus functions</a:t>
+            </a:r>
+          </a:p>
+        </p:txBody>
+      </p:sp>
+      <p:sp>
+        <p:nvSpPr>
+          <p:cNvPr id="3" name="Content Placeholder 2">
+            <a:extLst>
+              <a:ext uri="{FF2B5EF4-FFF2-40B4-BE49-F238E27FC236}">
+                <a16:creationId xmlns:a16="http://schemas.microsoft.com/office/drawing/2014/main" id="{802B51F0-BC9A-AF43-BD94-2788311D1957}"/>
+              </a:ext>
+            </a:extLst>
+          </p:cNvPr>
+          <p:cNvSpPr>
+            <a:spLocks noGrp="1"/>
+          </p:cNvSpPr>
+          <p:nvPr>
+            <p:ph idx="1"/>
+          </p:nvPr>
+        </p:nvSpPr>
+        <p:spPr/>
+        <p:txBody>
+          <a:bodyPr/>
+          <a:lstStyle/>
+          <a:p>
+            <a:r>
+              <a:rPr lang="en-US" b="1" dirty="0" err="1"/>
+              <a:t>b.sell</a:t>
+            </a:r>
+            <a:r>
+              <a:rPr lang="en-US" b="1" dirty="0"/>
+              <a:t>(100)</a:t>
+            </a:r>
+            <a:r>
+              <a:rPr lang="en-US" dirty="0"/>
+              <a:t> method call is translated and executed by the Python interpreter as function call </a:t>
+            </a:r>
+            <a:r>
+              <a:rPr lang="en-US" b="1" dirty="0" err="1"/>
+              <a:t>Book.sell</a:t>
+            </a:r>
+            <a:r>
+              <a:rPr lang="en-US" b="1" dirty="0"/>
+              <a:t>(b,100)</a:t>
+            </a:r>
+          </a:p>
+          <a:p>
+            <a:r>
+              <a:rPr lang="en-US" b="1" dirty="0"/>
+              <a:t>b</a:t>
+            </a:r>
+            <a:r>
+              <a:rPr lang="en-US" dirty="0"/>
+              <a:t> becomes parameter </a:t>
+            </a:r>
+            <a:r>
+              <a:rPr lang="en-US" b="1" dirty="0"/>
+              <a:t>self</a:t>
+            </a:r>
+            <a:r>
+              <a:rPr lang="en-US" dirty="0"/>
+              <a:t> and so the </a:t>
+            </a:r>
+            <a:r>
+              <a:rPr lang="en-US" b="1" dirty="0"/>
+              <a:t>sell()</a:t>
+            </a:r>
+            <a:r>
+              <a:rPr lang="en-US" dirty="0"/>
+              <a:t> function is updating book </a:t>
+            </a:r>
+            <a:r>
+              <a:rPr lang="en-US" b="1" dirty="0"/>
+              <a:t>b</a:t>
+            </a:r>
+            <a:endParaRPr lang="en-US" dirty="0"/>
+          </a:p>
+          <a:p>
+            <a:r>
+              <a:rPr lang="en-US" dirty="0"/>
+              <a:t>Why we prefer </a:t>
+            </a:r>
+            <a:r>
+              <a:rPr lang="en-US" b="1" dirty="0" err="1"/>
+              <a:t>b.sell</a:t>
+            </a:r>
+            <a:r>
+              <a:rPr lang="en-US" b="1" dirty="0"/>
+              <a:t>(100)</a:t>
+            </a:r>
+            <a:r>
+              <a:rPr lang="en-US" dirty="0"/>
+              <a:t> over </a:t>
+            </a:r>
+            <a:r>
+              <a:rPr lang="en-US" b="1" dirty="0" err="1"/>
+              <a:t>Book.sell</a:t>
+            </a:r>
+            <a:r>
+              <a:rPr lang="en-US" b="1" dirty="0"/>
+              <a:t>(b,100):</a:t>
+            </a:r>
+          </a:p>
+          <a:p>
+            <a:pPr lvl="1"/>
+            <a:r>
+              <a:rPr lang="en-US" dirty="0"/>
+              <a:t>Instead of just functions, we send messages back and forth</a:t>
+            </a:r>
+          </a:p>
+          <a:p>
+            <a:pPr lvl="1"/>
+            <a:r>
+              <a:rPr lang="en-US" dirty="0"/>
+              <a:t>Instead of </a:t>
+            </a:r>
+            <a:r>
+              <a:rPr lang="en-US" b="1" dirty="0"/>
+              <a:t>bark(dog)</a:t>
+            </a:r>
+            <a:r>
+              <a:rPr lang="en-US" dirty="0"/>
+              <a:t> we say </a:t>
+            </a:r>
+            <a:r>
+              <a:rPr lang="en-US" b="1" dirty="0" err="1"/>
+              <a:t>dog.bark</a:t>
+            </a:r>
+            <a:r>
+              <a:rPr lang="en-US" b="1" dirty="0"/>
+              <a:t>()</a:t>
+            </a:r>
+            <a:r>
+              <a:rPr lang="en-US" dirty="0"/>
+              <a:t> or instead of i</a:t>
+            </a:r>
+            <a:r>
+              <a:rPr lang="en-US" b="1" dirty="0"/>
+              <a:t>nflate(ball)</a:t>
+            </a:r>
+            <a:r>
+              <a:rPr lang="en-US" dirty="0"/>
+              <a:t> we say </a:t>
+            </a:r>
+            <a:r>
+              <a:rPr lang="en-US" b="1" dirty="0" err="1"/>
+              <a:t>ball.inflate</a:t>
+            </a:r>
+            <a:r>
+              <a:rPr lang="en-US" b="1" dirty="0"/>
+              <a:t>()</a:t>
+            </a:r>
+          </a:p>
+        </p:txBody>
+      </p:sp>
+    </p:spTree>
+    <p:extLst>
+      <p:ext uri="{BB962C8B-B14F-4D97-AF65-F5344CB8AC3E}">
+        <p14:creationId xmlns:p14="http://schemas.microsoft.com/office/powerpoint/2010/main" val="4165570995"/>
+      </p:ext>
+    </p:extLst>
+  </p:cSld>
+  <p:clrMapOvr>
+    <a:masterClrMapping/>
+  </p:clrMapOvr>
+</p:sld>
+</file>
+
+<file path=ppt/slides/slide16.xml><?xml version="1.0" encoding="utf-8"?>
+<p:sld xmlns:a="http://schemas.openxmlformats.org/drawingml/2006/main" xmlns:r="http://schemas.openxmlformats.org/officeDocument/2006/relationships" xmlns:p="http://schemas.openxmlformats.org/presentationml/2006/main">
+  <p:cSld>
+    <p:spTree>
+      <p:nvGrpSpPr>
+        <p:cNvPr id="1" name=""/>
+        <p:cNvGrpSpPr/>
+        <p:nvPr/>
+      </p:nvGrpSpPr>
+      <p:grpSpPr>
+        <a:xfrm>
+          <a:off x="0" y="0"/>
+          <a:ext cx="0" cy="0"/>
+          <a:chOff x="0" y="0"/>
+          <a:chExt cx="0" cy="0"/>
+        </a:xfrm>
+      </p:grpSpPr>
+      <p:sp>
+        <p:nvSpPr>
+          <p:cNvPr id="2" name="Title 1">
+            <a:extLst>
+              <a:ext uri="{FF2B5EF4-FFF2-40B4-BE49-F238E27FC236}">
+                <a16:creationId xmlns:a16="http://schemas.microsoft.com/office/drawing/2014/main" id="{09DB1AB8-FB76-E841-9404-6F38E1D2EFAA}"/>
+              </a:ext>
+            </a:extLst>
+          </p:cNvPr>
+          <p:cNvSpPr>
+            <a:spLocks noGrp="1"/>
+          </p:cNvSpPr>
+          <p:nvPr>
+            <p:ph type="title"/>
+          </p:nvPr>
+        </p:nvSpPr>
+        <p:spPr/>
+        <p:txBody>
+          <a:bodyPr/>
+          <a:lstStyle/>
+          <a:p>
+            <a:r>
+              <a:rPr lang="en-US" dirty="0"/>
+              <a:t>Inheritance</a:t>
+            </a:r>
+          </a:p>
+        </p:txBody>
+      </p:sp>
+      <p:sp>
+        <p:nvSpPr>
+          <p:cNvPr id="3" name="Content Placeholder 2">
+            <a:extLst>
+              <a:ext uri="{FF2B5EF4-FFF2-40B4-BE49-F238E27FC236}">
+                <a16:creationId xmlns:a16="http://schemas.microsoft.com/office/drawing/2014/main" id="{E6575B9C-A6D9-1E41-B19E-AC259E205C20}"/>
+              </a:ext>
+            </a:extLst>
+          </p:cNvPr>
+          <p:cNvSpPr>
+            <a:spLocks noGrp="1"/>
+          </p:cNvSpPr>
+          <p:nvPr>
+            <p:ph idx="1"/>
+          </p:nvPr>
+        </p:nvSpPr>
+        <p:spPr>
+          <a:xfrm>
+            <a:off x="838200" y="1825625"/>
+            <a:ext cx="5950226" cy="4351338"/>
+          </a:xfrm>
+        </p:spPr>
+        <p:txBody>
+          <a:bodyPr/>
+          <a:lstStyle/>
+          <a:p>
+            <a:r>
+              <a:rPr lang="en-US" dirty="0"/>
+              <a:t>Defining something new as it relates to something we already understand is usually a lot easier and starting from scratch; same is true in programming</a:t>
+            </a:r>
+          </a:p>
+          <a:p>
+            <a:r>
+              <a:rPr lang="en-US" dirty="0"/>
+              <a:t>Let's start our demonstration of this by defining a simple class representing account balances</a:t>
+            </a:r>
+          </a:p>
+        </p:txBody>
+      </p:sp>
+      <p:pic>
+        <p:nvPicPr>
+          <p:cNvPr id="5" name="Picture 4">
+            <a:extLst>
+              <a:ext uri="{FF2B5EF4-FFF2-40B4-BE49-F238E27FC236}">
+                <a16:creationId xmlns:a16="http://schemas.microsoft.com/office/drawing/2014/main" id="{1A443987-1DF3-A34F-9F8D-AF6668C8F8A1}"/>
+              </a:ext>
+            </a:extLst>
+          </p:cNvPr>
+          <p:cNvPicPr>
+            <a:picLocks noChangeAspect="1"/>
+          </p:cNvPicPr>
+          <p:nvPr/>
+        </p:nvPicPr>
+        <p:blipFill>
+          <a:blip r:embed="rId2"/>
+          <a:stretch>
+            <a:fillRect/>
+          </a:stretch>
+        </p:blipFill>
+        <p:spPr>
+          <a:xfrm>
+            <a:off x="6967054" y="1690688"/>
+            <a:ext cx="4559300" cy="4445000"/>
+          </a:xfrm>
+          <a:prstGeom prst="rect">
+            <a:avLst/>
+          </a:prstGeom>
+        </p:spPr>
+      </p:pic>
+      <p:pic>
+        <p:nvPicPr>
+          <p:cNvPr id="9" name="Picture 8">
+            <a:extLst>
+              <a:ext uri="{FF2B5EF4-FFF2-40B4-BE49-F238E27FC236}">
+                <a16:creationId xmlns:a16="http://schemas.microsoft.com/office/drawing/2014/main" id="{09452DC6-DB15-084A-AF76-8C6835149387}"/>
+              </a:ext>
+            </a:extLst>
+          </p:cNvPr>
+          <p:cNvPicPr>
+            <a:picLocks noChangeAspect="1"/>
+          </p:cNvPicPr>
+          <p:nvPr/>
+        </p:nvPicPr>
+        <p:blipFill>
+          <a:blip r:embed="rId3"/>
+          <a:stretch>
+            <a:fillRect/>
+          </a:stretch>
+        </p:blipFill>
+        <p:spPr>
+          <a:xfrm>
+            <a:off x="9486900" y="5259388"/>
+            <a:ext cx="1866900" cy="876300"/>
+          </a:xfrm>
+          <a:prstGeom prst="rect">
+            <a:avLst/>
+          </a:prstGeom>
+        </p:spPr>
+      </p:pic>
+      <p:sp>
+        <p:nvSpPr>
+          <p:cNvPr id="10" name="TextBox 9">
+            <a:extLst>
+              <a:ext uri="{FF2B5EF4-FFF2-40B4-BE49-F238E27FC236}">
+                <a16:creationId xmlns:a16="http://schemas.microsoft.com/office/drawing/2014/main" id="{321CA6A7-8703-A84D-BA3E-5BBA83AF47BF}"/>
+              </a:ext>
+            </a:extLst>
+          </p:cNvPr>
+          <p:cNvSpPr txBox="1"/>
+          <p:nvPr/>
+        </p:nvSpPr>
+        <p:spPr>
+          <a:xfrm>
+            <a:off x="0" y="6488668"/>
+            <a:ext cx="2877711" cy="369332"/>
+          </a:xfrm>
+          <a:prstGeom prst="rect">
+            <a:avLst/>
+          </a:prstGeom>
+          <a:noFill/>
+        </p:spPr>
+        <p:txBody>
+          <a:bodyPr wrap="none" rtlCol="0">
+            <a:spAutoFit/>
+          </a:bodyPr>
+          <a:lstStyle/>
+          <a:p>
+            <a:r>
+              <a:rPr lang="en-US" dirty="0">
+                <a:hlinkClick r:id="rId4"/>
+              </a:rPr>
+              <a:t>Experiment in </a:t>
+            </a:r>
+            <a:r>
+              <a:rPr lang="en-US" dirty="0" err="1">
+                <a:hlinkClick r:id="rId4"/>
+              </a:rPr>
+              <a:t>pythontutor</a:t>
+            </a:r>
+            <a:endParaRPr lang="en-US" dirty="0"/>
+          </a:p>
+        </p:txBody>
+      </p:sp>
+    </p:spTree>
+    <p:extLst>
+      <p:ext uri="{BB962C8B-B14F-4D97-AF65-F5344CB8AC3E}">
+        <p14:creationId xmlns:p14="http://schemas.microsoft.com/office/powerpoint/2010/main" val="2549433770"/>
+      </p:ext>
+    </p:extLst>
+  </p:cSld>
+  <p:clrMapOvr>
+    <a:masterClrMapping/>
+  </p:clrMapOvr>
+</p:sld>
+</file>
+
+<file path=ppt/slides/slide17.xml><?xml version="1.0" encoding="utf-8"?>
+<p:sld xmlns:a="http://schemas.openxmlformats.org/drawingml/2006/main" xmlns:r="http://schemas.openxmlformats.org/officeDocument/2006/relationships" xmlns:p="http://schemas.openxmlformats.org/presentationml/2006/main">
+  <p:cSld>
+    <p:spTree>
+      <p:nvGrpSpPr>
+        <p:cNvPr id="1" name=""/>
+        <p:cNvGrpSpPr/>
+        <p:nvPr/>
+      </p:nvGrpSpPr>
+      <p:grpSpPr>
+        <a:xfrm>
+          <a:off x="0" y="0"/>
+          <a:ext cx="0" cy="0"/>
+          <a:chOff x="0" y="0"/>
+          <a:chExt cx="0" cy="0"/>
+        </a:xfrm>
+      </p:grpSpPr>
+      <p:sp>
+        <p:nvSpPr>
+          <p:cNvPr id="2" name="Title 1">
+            <a:extLst>
+              <a:ext uri="{FF2B5EF4-FFF2-40B4-BE49-F238E27FC236}">
+                <a16:creationId xmlns:a16="http://schemas.microsoft.com/office/drawing/2014/main" id="{C35D0D9E-45A8-F44A-9788-FFCBA737339E}"/>
+              </a:ext>
+            </a:extLst>
+          </p:cNvPr>
+          <p:cNvSpPr>
+            <a:spLocks noGrp="1"/>
+          </p:cNvSpPr>
+          <p:nvPr>
+            <p:ph type="title"/>
+          </p:nvPr>
+        </p:nvSpPr>
+        <p:spPr/>
+        <p:txBody>
+          <a:bodyPr/>
+          <a:lstStyle/>
+          <a:p>
+            <a:r>
+              <a:rPr lang="en-US" dirty="0"/>
+              <a:t>Inheriting fields</a:t>
+            </a:r>
+          </a:p>
+        </p:txBody>
+      </p:sp>
+      <p:sp>
+        <p:nvSpPr>
+          <p:cNvPr id="3" name="Content Placeholder 2">
+            <a:extLst>
+              <a:ext uri="{FF2B5EF4-FFF2-40B4-BE49-F238E27FC236}">
+                <a16:creationId xmlns:a16="http://schemas.microsoft.com/office/drawing/2014/main" id="{A3C97D20-26CB-BE44-BC50-95ECE9DBA1AF}"/>
+              </a:ext>
+            </a:extLst>
+          </p:cNvPr>
+          <p:cNvSpPr>
+            <a:spLocks noGrp="1"/>
+          </p:cNvSpPr>
+          <p:nvPr>
+            <p:ph idx="1"/>
+          </p:nvPr>
+        </p:nvSpPr>
+        <p:spPr/>
+        <p:txBody>
+          <a:bodyPr/>
+          <a:lstStyle/>
+          <a:p>
+            <a:r>
+              <a:rPr lang="en-US" dirty="0"/>
+              <a:t>Inheritance behaves like an import or include operation from another class into a new class (</a:t>
+            </a:r>
+            <a:r>
+              <a:rPr lang="en-US" i="1" dirty="0"/>
+              <a:t>not exactly true</a:t>
+            </a:r>
+            <a:r>
+              <a:rPr lang="en-US" dirty="0"/>
+              <a:t>)</a:t>
+            </a:r>
+          </a:p>
+        </p:txBody>
+      </p:sp>
+      <p:pic>
+        <p:nvPicPr>
+          <p:cNvPr id="7" name="Picture 6">
+            <a:extLst>
+              <a:ext uri="{FF2B5EF4-FFF2-40B4-BE49-F238E27FC236}">
+                <a16:creationId xmlns:a16="http://schemas.microsoft.com/office/drawing/2014/main" id="{77759B4D-06E3-1C43-A667-C3DC82517159}"/>
+              </a:ext>
+            </a:extLst>
+          </p:cNvPr>
+          <p:cNvPicPr>
+            <a:picLocks noChangeAspect="1"/>
+          </p:cNvPicPr>
+          <p:nvPr/>
+        </p:nvPicPr>
+        <p:blipFill>
+          <a:blip r:embed="rId2"/>
+          <a:stretch>
+            <a:fillRect/>
+          </a:stretch>
+        </p:blipFill>
+        <p:spPr>
+          <a:xfrm>
+            <a:off x="3435350" y="2874963"/>
+            <a:ext cx="5321300" cy="3302000"/>
+          </a:xfrm>
+          <a:prstGeom prst="rect">
+            <a:avLst/>
+          </a:prstGeom>
+        </p:spPr>
+      </p:pic>
+    </p:spTree>
+    <p:extLst>
+      <p:ext uri="{BB962C8B-B14F-4D97-AF65-F5344CB8AC3E}">
+        <p14:creationId xmlns:p14="http://schemas.microsoft.com/office/powerpoint/2010/main" val="1214294767"/>
+      </p:ext>
+    </p:extLst>
+  </p:cSld>
+  <p:clrMapOvr>
+    <a:masterClrMapping/>
+  </p:clrMapOvr>
+</p:sld>
+</file>
+
+<file path=ppt/slides/slide18.xml><?xml version="1.0" encoding="utf-8"?>
+<p:sld xmlns:a="http://schemas.openxmlformats.org/drawingml/2006/main" xmlns:r="http://schemas.openxmlformats.org/officeDocument/2006/relationships" xmlns:p="http://schemas.openxmlformats.org/presentationml/2006/main">
+  <p:cSld>
+    <p:spTree>
+      <p:nvGrpSpPr>
+        <p:cNvPr id="1" name=""/>
+        <p:cNvGrpSpPr/>
+        <p:nvPr/>
+      </p:nvGrpSpPr>
+      <p:grpSpPr>
+        <a:xfrm>
+          <a:off x="0" y="0"/>
+          <a:ext cx="0" cy="0"/>
+          <a:chOff x="0" y="0"/>
+          <a:chExt cx="0" cy="0"/>
+        </a:xfrm>
+      </p:grpSpPr>
+      <p:sp>
+        <p:nvSpPr>
+          <p:cNvPr id="2" name="Title 1">
+            <a:extLst>
+              <a:ext uri="{FF2B5EF4-FFF2-40B4-BE49-F238E27FC236}">
+                <a16:creationId xmlns:a16="http://schemas.microsoft.com/office/drawing/2014/main" id="{C35D0D9E-45A8-F44A-9788-FFCBA737339E}"/>
+              </a:ext>
+            </a:extLst>
+          </p:cNvPr>
+          <p:cNvSpPr>
+            <a:spLocks noGrp="1"/>
+          </p:cNvSpPr>
+          <p:nvPr>
+            <p:ph type="title"/>
+          </p:nvPr>
+        </p:nvSpPr>
+        <p:spPr/>
+        <p:txBody>
+          <a:bodyPr/>
+          <a:lstStyle/>
+          <a:p>
+            <a:r>
+              <a:rPr lang="en-US" dirty="0"/>
+              <a:t>Inheriting fields continued</a:t>
+            </a:r>
+          </a:p>
+        </p:txBody>
+      </p:sp>
+      <p:sp>
+        <p:nvSpPr>
+          <p:cNvPr id="3" name="Content Placeholder 2">
+            <a:extLst>
+              <a:ext uri="{FF2B5EF4-FFF2-40B4-BE49-F238E27FC236}">
+                <a16:creationId xmlns:a16="http://schemas.microsoft.com/office/drawing/2014/main" id="{A3C97D20-26CB-BE44-BC50-95ECE9DBA1AF}"/>
+              </a:ext>
+            </a:extLst>
+          </p:cNvPr>
+          <p:cNvSpPr>
+            <a:spLocks noGrp="1"/>
+          </p:cNvSpPr>
+          <p:nvPr>
+            <p:ph idx="1"/>
+          </p:nvPr>
+        </p:nvSpPr>
+        <p:spPr/>
+        <p:txBody>
+          <a:bodyPr/>
+          <a:lstStyle/>
+          <a:p>
+            <a:r>
+              <a:rPr lang="en-US" dirty="0"/>
+              <a:t>We can also refer to the superclass constructor instead of manually assigning  fields associated with the superclass; it's useful but a bit awkward</a:t>
+            </a:r>
+          </a:p>
+          <a:p>
+            <a:r>
+              <a:rPr lang="en-US" dirty="0"/>
+              <a:t>I mention this because you will see this notation</a:t>
+            </a:r>
+          </a:p>
+        </p:txBody>
+      </p:sp>
+      <p:pic>
+        <p:nvPicPr>
+          <p:cNvPr id="5" name="Picture 4">
+            <a:extLst>
+              <a:ext uri="{FF2B5EF4-FFF2-40B4-BE49-F238E27FC236}">
+                <a16:creationId xmlns:a16="http://schemas.microsoft.com/office/drawing/2014/main" id="{E928804C-9F76-6047-84DC-D79631C2A69E}"/>
+              </a:ext>
+            </a:extLst>
+          </p:cNvPr>
+          <p:cNvPicPr>
+            <a:picLocks noChangeAspect="1"/>
+          </p:cNvPicPr>
+          <p:nvPr/>
+        </p:nvPicPr>
+        <p:blipFill>
+          <a:blip r:embed="rId2"/>
+          <a:stretch>
+            <a:fillRect/>
+          </a:stretch>
+        </p:blipFill>
+        <p:spPr>
+          <a:xfrm>
+            <a:off x="3578088" y="3757544"/>
+            <a:ext cx="5334000" cy="2006600"/>
+          </a:xfrm>
+          <a:prstGeom prst="rect">
+            <a:avLst/>
+          </a:prstGeom>
+        </p:spPr>
+      </p:pic>
+    </p:spTree>
+    <p:extLst>
+      <p:ext uri="{BB962C8B-B14F-4D97-AF65-F5344CB8AC3E}">
+        <p14:creationId xmlns:p14="http://schemas.microsoft.com/office/powerpoint/2010/main" val="3655090537"/>
+      </p:ext>
+    </p:extLst>
+  </p:cSld>
+  <p:clrMapOvr>
+    <a:masterClrMapping/>
+  </p:clrMapOvr>
+</p:sld>
+</file>
+
+<file path=ppt/slides/slide19.xml><?xml version="1.0" encoding="utf-8"?>
+<p:sld xmlns:a="http://schemas.openxmlformats.org/drawingml/2006/main" xmlns:r="http://schemas.openxmlformats.org/officeDocument/2006/relationships" xmlns:p="http://schemas.openxmlformats.org/presentationml/2006/main">
+  <p:cSld>
+    <p:spTree>
+      <p:nvGrpSpPr>
+        <p:cNvPr id="1" name=""/>
+        <p:cNvGrpSpPr/>
+        <p:nvPr/>
+      </p:nvGrpSpPr>
+      <p:grpSpPr>
+        <a:xfrm>
+          <a:off x="0" y="0"/>
+          <a:ext cx="0" cy="0"/>
+          <a:chOff x="0" y="0"/>
+          <a:chExt cx="0" cy="0"/>
+        </a:xfrm>
+      </p:grpSpPr>
+      <p:sp>
+        <p:nvSpPr>
+          <p:cNvPr id="2" name="Title 1">
+            <a:extLst>
+              <a:ext uri="{FF2B5EF4-FFF2-40B4-BE49-F238E27FC236}">
+                <a16:creationId xmlns:a16="http://schemas.microsoft.com/office/drawing/2014/main" id="{9F549FD8-2C9D-554C-88D0-AFA15C68A33C}"/>
+              </a:ext>
+            </a:extLst>
+          </p:cNvPr>
+          <p:cNvSpPr>
+            <a:spLocks noGrp="1"/>
+          </p:cNvSpPr>
+          <p:nvPr>
+            <p:ph type="title"/>
+          </p:nvPr>
+        </p:nvSpPr>
+        <p:spPr/>
+        <p:txBody>
+          <a:bodyPr/>
+          <a:lstStyle/>
+          <a:p>
+            <a:r>
+              <a:rPr lang="en-US" dirty="0"/>
+              <a:t>Inheriting methods</a:t>
+            </a:r>
+          </a:p>
+        </p:txBody>
+      </p:sp>
+      <p:sp>
+        <p:nvSpPr>
+          <p:cNvPr id="3" name="Content Placeholder 2">
+            <a:extLst>
+              <a:ext uri="{FF2B5EF4-FFF2-40B4-BE49-F238E27FC236}">
+                <a16:creationId xmlns:a16="http://schemas.microsoft.com/office/drawing/2014/main" id="{C4D52933-A93E-1C43-B0FE-138708952A54}"/>
+              </a:ext>
+            </a:extLst>
+          </p:cNvPr>
+          <p:cNvSpPr>
+            <a:spLocks noGrp="1"/>
+          </p:cNvSpPr>
+          <p:nvPr>
+            <p:ph idx="1"/>
+          </p:nvPr>
+        </p:nvSpPr>
+        <p:spPr/>
+        <p:txBody>
+          <a:bodyPr/>
+          <a:lstStyle/>
+          <a:p>
+            <a:r>
+              <a:rPr lang="en-US" dirty="0"/>
+              <a:t>A class inherits all methods defined in the superclass(es) so, in this case, </a:t>
+            </a:r>
+            <a:r>
+              <a:rPr lang="en-US" b="1" dirty="0" err="1"/>
+              <a:t>InterestingAccount</a:t>
+            </a:r>
+            <a:r>
+              <a:rPr lang="en-US" dirty="0"/>
+              <a:t> inherits method </a:t>
+            </a:r>
+            <a:r>
+              <a:rPr lang="en-US" b="1" dirty="0"/>
+              <a:t>add()</a:t>
+            </a:r>
+          </a:p>
+        </p:txBody>
+      </p:sp>
+      <p:pic>
+        <p:nvPicPr>
+          <p:cNvPr id="5" name="Picture 4">
+            <a:extLst>
+              <a:ext uri="{FF2B5EF4-FFF2-40B4-BE49-F238E27FC236}">
+                <a16:creationId xmlns:a16="http://schemas.microsoft.com/office/drawing/2014/main" id="{4DDBEE6A-E426-C34D-92E6-987BBCBB3EED}"/>
+              </a:ext>
+            </a:extLst>
+          </p:cNvPr>
+          <p:cNvPicPr>
+            <a:picLocks noChangeAspect="1"/>
+          </p:cNvPicPr>
+          <p:nvPr/>
+        </p:nvPicPr>
+        <p:blipFill>
+          <a:blip r:embed="rId2"/>
+          <a:stretch>
+            <a:fillRect/>
+          </a:stretch>
+        </p:blipFill>
+        <p:spPr>
+          <a:xfrm>
+            <a:off x="3302552" y="2894568"/>
+            <a:ext cx="5308600" cy="3594100"/>
+          </a:xfrm>
+          <a:prstGeom prst="rect">
+            <a:avLst/>
+          </a:prstGeom>
+        </p:spPr>
+      </p:pic>
+      <p:sp>
+        <p:nvSpPr>
+          <p:cNvPr id="6" name="TextBox 5">
+            <a:extLst>
+              <a:ext uri="{FF2B5EF4-FFF2-40B4-BE49-F238E27FC236}">
+                <a16:creationId xmlns:a16="http://schemas.microsoft.com/office/drawing/2014/main" id="{181FD73B-A313-4447-920C-A9A1A6015234}"/>
+              </a:ext>
+            </a:extLst>
+          </p:cNvPr>
+          <p:cNvSpPr txBox="1"/>
+          <p:nvPr/>
+        </p:nvSpPr>
+        <p:spPr>
+          <a:xfrm>
+            <a:off x="0" y="6488668"/>
+            <a:ext cx="2877711" cy="369332"/>
+          </a:xfrm>
+          <a:prstGeom prst="rect">
+            <a:avLst/>
+          </a:prstGeom>
+          <a:noFill/>
+        </p:spPr>
+        <p:txBody>
+          <a:bodyPr wrap="none" rtlCol="0">
+            <a:spAutoFit/>
+          </a:bodyPr>
+          <a:lstStyle/>
+          <a:p>
+            <a:r>
+              <a:rPr lang="en-US" dirty="0">
+                <a:hlinkClick r:id="rId3"/>
+              </a:rPr>
+              <a:t>Experiment in </a:t>
+            </a:r>
+            <a:r>
+              <a:rPr lang="en-US" dirty="0" err="1">
+                <a:hlinkClick r:id="rId3"/>
+              </a:rPr>
+              <a:t>pythontutor</a:t>
+            </a:r>
+            <a:endParaRPr lang="en-US" dirty="0"/>
+          </a:p>
+        </p:txBody>
+      </p:sp>
+    </p:spTree>
+    <p:extLst>
+      <p:ext uri="{BB962C8B-B14F-4D97-AF65-F5344CB8AC3E}">
+        <p14:creationId xmlns:p14="http://schemas.microsoft.com/office/powerpoint/2010/main" val="1138610265"/>
       </p:ext>
     </p:extLst>
   </p:cSld>
@@ -4086,13 +6026,13 @@
           <a:p>
             <a:r>
               <a:rPr lang="en-US" dirty="0"/>
-              <a:t>We've been working with functions and packages of functions, as well as defining our own functions</a:t>
-            </a:r>
-          </a:p>
-          <a:p>
-            <a:r>
-              <a:rPr lang="en-US" dirty="0"/>
-              <a:t>It turns out, though, that we've been working with objects all along, we just haven't recognized them as such</a:t>
+              <a:t>We've been working with functions and modules with functions, as well as defining our own functions</a:t>
+            </a:r>
+          </a:p>
+          <a:p>
+            <a:r>
+              <a:rPr lang="en-US" dirty="0"/>
+              <a:t>It turns out, though, that we've also been working with objects all along, we just haven't recognized them as such</a:t>
             </a:r>
           </a:p>
         </p:txBody>
@@ -4140,6 +6080,526 @@
 </p:sld>
 </file>
 
+<file path=ppt/slides/slide20.xml><?xml version="1.0" encoding="utf-8"?>
+<p:sld xmlns:a="http://schemas.openxmlformats.org/drawingml/2006/main" xmlns:r="http://schemas.openxmlformats.org/officeDocument/2006/relationships" xmlns:p="http://schemas.openxmlformats.org/presentationml/2006/main">
+  <p:cSld>
+    <p:spTree>
+      <p:nvGrpSpPr>
+        <p:cNvPr id="1" name=""/>
+        <p:cNvGrpSpPr/>
+        <p:nvPr/>
+      </p:nvGrpSpPr>
+      <p:grpSpPr>
+        <a:xfrm>
+          <a:off x="0" y="0"/>
+          <a:ext cx="0" cy="0"/>
+          <a:chOff x="0" y="0"/>
+          <a:chExt cx="0" cy="0"/>
+        </a:xfrm>
+      </p:grpSpPr>
+      <p:sp>
+        <p:nvSpPr>
+          <p:cNvPr id="2" name="Title 1">
+            <a:extLst>
+              <a:ext uri="{FF2B5EF4-FFF2-40B4-BE49-F238E27FC236}">
+                <a16:creationId xmlns:a16="http://schemas.microsoft.com/office/drawing/2014/main" id="{82E109AC-44AD-D54A-B681-541F089ED74C}"/>
+              </a:ext>
+            </a:extLst>
+          </p:cNvPr>
+          <p:cNvSpPr>
+            <a:spLocks noGrp="1"/>
+          </p:cNvSpPr>
+          <p:nvPr>
+            <p:ph type="title"/>
+          </p:nvPr>
+        </p:nvSpPr>
+        <p:spPr/>
+        <p:txBody>
+          <a:bodyPr/>
+          <a:lstStyle/>
+          <a:p>
+            <a:r>
+              <a:rPr lang="en-US" dirty="0"/>
+              <a:t>Overriding methods</a:t>
+            </a:r>
+          </a:p>
+        </p:txBody>
+      </p:sp>
+      <p:sp>
+        <p:nvSpPr>
+          <p:cNvPr id="3" name="Content Placeholder 2">
+            <a:extLst>
+              <a:ext uri="{FF2B5EF4-FFF2-40B4-BE49-F238E27FC236}">
+                <a16:creationId xmlns:a16="http://schemas.microsoft.com/office/drawing/2014/main" id="{6D6FD1FF-2DC2-134E-9DF8-61E793172E8A}"/>
+              </a:ext>
+            </a:extLst>
+          </p:cNvPr>
+          <p:cNvSpPr>
+            <a:spLocks noGrp="1"/>
+          </p:cNvSpPr>
+          <p:nvPr>
+            <p:ph idx="1"/>
+          </p:nvPr>
+        </p:nvSpPr>
+        <p:spPr>
+          <a:xfrm>
+            <a:off x="838200" y="1570383"/>
+            <a:ext cx="10515600" cy="4606580"/>
+          </a:xfrm>
+        </p:spPr>
+        <p:txBody>
+          <a:bodyPr/>
+          <a:lstStyle/>
+          <a:p>
+            <a:r>
+              <a:rPr lang="en-US" dirty="0"/>
+              <a:t>We can also override a method defined above; by defining method </a:t>
+            </a:r>
+            <a:r>
+              <a:rPr lang="en-US" b="1" dirty="0"/>
+              <a:t>total()</a:t>
+            </a:r>
+            <a:r>
+              <a:rPr lang="en-US" dirty="0"/>
+              <a:t> in the subclass, it hides the superclass definition</a:t>
+            </a:r>
+          </a:p>
+        </p:txBody>
+      </p:sp>
+      <p:pic>
+        <p:nvPicPr>
+          <p:cNvPr id="5" name="Picture 4">
+            <a:extLst>
+              <a:ext uri="{FF2B5EF4-FFF2-40B4-BE49-F238E27FC236}">
+                <a16:creationId xmlns:a16="http://schemas.microsoft.com/office/drawing/2014/main" id="{F1481782-A21F-774C-AFF2-097053FDD967}"/>
+              </a:ext>
+            </a:extLst>
+          </p:cNvPr>
+          <p:cNvPicPr>
+            <a:picLocks noChangeAspect="1"/>
+          </p:cNvPicPr>
+          <p:nvPr/>
+        </p:nvPicPr>
+        <p:blipFill>
+          <a:blip r:embed="rId2"/>
+          <a:stretch>
+            <a:fillRect/>
+          </a:stretch>
+        </p:blipFill>
+        <p:spPr>
+          <a:xfrm>
+            <a:off x="2532270" y="2608263"/>
+            <a:ext cx="7366000" cy="3568700"/>
+          </a:xfrm>
+          <a:prstGeom prst="rect">
+            <a:avLst/>
+          </a:prstGeom>
+        </p:spPr>
+      </p:pic>
+      <p:sp>
+        <p:nvSpPr>
+          <p:cNvPr id="6" name="Rectangle 5">
+            <a:extLst>
+              <a:ext uri="{FF2B5EF4-FFF2-40B4-BE49-F238E27FC236}">
+                <a16:creationId xmlns:a16="http://schemas.microsoft.com/office/drawing/2014/main" id="{EB3C3022-5BF8-864C-BCBA-EC2AB572774B}"/>
+              </a:ext>
+            </a:extLst>
+          </p:cNvPr>
+          <p:cNvSpPr/>
+          <p:nvPr/>
+        </p:nvSpPr>
+        <p:spPr>
+          <a:xfrm>
+            <a:off x="133481" y="6411291"/>
+            <a:ext cx="5400646" cy="400110"/>
+          </a:xfrm>
+          <a:prstGeom prst="rect">
+            <a:avLst/>
+          </a:prstGeom>
+        </p:spPr>
+        <p:txBody>
+          <a:bodyPr wrap="none">
+            <a:spAutoFit/>
+          </a:bodyPr>
+          <a:lstStyle/>
+          <a:p>
+            <a:r>
+              <a:rPr lang="en-US" sz="2000" dirty="0">
+                <a:latin typeface="-apple-system"/>
+              </a:rPr>
+              <a:t>We have </a:t>
+            </a:r>
+            <a:r>
+              <a:rPr lang="en-US" sz="2000" i="1" dirty="0">
+                <a:latin typeface="-apple-system"/>
+              </a:rPr>
+              <a:t>reused</a:t>
+            </a:r>
+            <a:r>
+              <a:rPr lang="en-US" sz="2000" dirty="0">
+                <a:latin typeface="-apple-system"/>
+              </a:rPr>
+              <a:t> and </a:t>
+            </a:r>
+            <a:r>
+              <a:rPr lang="en-US" sz="2000" i="1" dirty="0">
+                <a:latin typeface="-apple-system"/>
+              </a:rPr>
+              <a:t>refined</a:t>
+            </a:r>
+            <a:r>
+              <a:rPr lang="en-US" sz="2000" dirty="0">
+                <a:latin typeface="-apple-system"/>
+              </a:rPr>
+              <a:t> previous functionality</a:t>
+            </a:r>
+            <a:endParaRPr lang="en-US" sz="2000" dirty="0"/>
+          </a:p>
+        </p:txBody>
+      </p:sp>
+    </p:spTree>
+    <p:extLst>
+      <p:ext uri="{BB962C8B-B14F-4D97-AF65-F5344CB8AC3E}">
+        <p14:creationId xmlns:p14="http://schemas.microsoft.com/office/powerpoint/2010/main" val="2897575094"/>
+      </p:ext>
+    </p:extLst>
+  </p:cSld>
+  <p:clrMapOvr>
+    <a:masterClrMapping/>
+  </p:clrMapOvr>
+</p:sld>
+</file>
+
+<file path=ppt/slides/slide21.xml><?xml version="1.0" encoding="utf-8"?>
+<p:sld xmlns:a="http://schemas.openxmlformats.org/drawingml/2006/main" xmlns:r="http://schemas.openxmlformats.org/officeDocument/2006/relationships" xmlns:p="http://schemas.openxmlformats.org/presentationml/2006/main">
+  <p:cSld>
+    <p:spTree>
+      <p:nvGrpSpPr>
+        <p:cNvPr id="1" name=""/>
+        <p:cNvGrpSpPr/>
+        <p:nvPr/>
+      </p:nvGrpSpPr>
+      <p:grpSpPr>
+        <a:xfrm>
+          <a:off x="0" y="0"/>
+          <a:ext cx="0" cy="0"/>
+          <a:chOff x="0" y="0"/>
+          <a:chExt cx="0" cy="0"/>
+        </a:xfrm>
+      </p:grpSpPr>
+      <p:sp>
+        <p:nvSpPr>
+          <p:cNvPr id="2" name="Title 1">
+            <a:extLst>
+              <a:ext uri="{FF2B5EF4-FFF2-40B4-BE49-F238E27FC236}">
+                <a16:creationId xmlns:a16="http://schemas.microsoft.com/office/drawing/2014/main" id="{E3413111-85E2-2645-87E7-8B9C7A62A4A9}"/>
+              </a:ext>
+            </a:extLst>
+          </p:cNvPr>
+          <p:cNvSpPr>
+            <a:spLocks noGrp="1"/>
+          </p:cNvSpPr>
+          <p:nvPr>
+            <p:ph type="title"/>
+          </p:nvPr>
+        </p:nvSpPr>
+        <p:spPr/>
+        <p:txBody>
+          <a:bodyPr/>
+          <a:lstStyle/>
+          <a:p>
+            <a:r>
+              <a:rPr lang="en-US" dirty="0"/>
+              <a:t>Extending functionality</a:t>
+            </a:r>
+          </a:p>
+        </p:txBody>
+      </p:sp>
+      <p:sp>
+        <p:nvSpPr>
+          <p:cNvPr id="3" name="Content Placeholder 2">
+            <a:extLst>
+              <a:ext uri="{FF2B5EF4-FFF2-40B4-BE49-F238E27FC236}">
+                <a16:creationId xmlns:a16="http://schemas.microsoft.com/office/drawing/2014/main" id="{3E909237-35AA-5940-B537-01AB68BBB7C5}"/>
+              </a:ext>
+            </a:extLst>
+          </p:cNvPr>
+          <p:cNvSpPr>
+            <a:spLocks noGrp="1"/>
+          </p:cNvSpPr>
+          <p:nvPr>
+            <p:ph idx="1"/>
+          </p:nvPr>
+        </p:nvSpPr>
+        <p:spPr>
+          <a:xfrm>
+            <a:off x="838200" y="1825625"/>
+            <a:ext cx="3375991" cy="4351338"/>
+          </a:xfrm>
+        </p:spPr>
+        <p:txBody>
+          <a:bodyPr/>
+          <a:lstStyle/>
+          <a:p>
+            <a:r>
+              <a:rPr lang="en-US" dirty="0"/>
+              <a:t>We can also </a:t>
+            </a:r>
+            <a:r>
+              <a:rPr lang="en-US" i="1" dirty="0"/>
+              <a:t>extend</a:t>
+            </a:r>
+            <a:r>
+              <a:rPr lang="en-US" dirty="0"/>
+              <a:t> the functionality by adding a method that is not in the superclass</a:t>
+            </a:r>
+          </a:p>
+        </p:txBody>
+      </p:sp>
+      <p:sp>
+        <p:nvSpPr>
+          <p:cNvPr id="4" name="TextBox 3">
+            <a:extLst>
+              <a:ext uri="{FF2B5EF4-FFF2-40B4-BE49-F238E27FC236}">
+                <a16:creationId xmlns:a16="http://schemas.microsoft.com/office/drawing/2014/main" id="{560A0816-9C6D-E94B-A2A9-149C2F5579DA}"/>
+              </a:ext>
+            </a:extLst>
+          </p:cNvPr>
+          <p:cNvSpPr txBox="1"/>
+          <p:nvPr/>
+        </p:nvSpPr>
+        <p:spPr>
+          <a:xfrm>
+            <a:off x="0" y="6488668"/>
+            <a:ext cx="2877711" cy="369332"/>
+          </a:xfrm>
+          <a:prstGeom prst="rect">
+            <a:avLst/>
+          </a:prstGeom>
+          <a:noFill/>
+        </p:spPr>
+        <p:txBody>
+          <a:bodyPr wrap="none" rtlCol="0">
+            <a:spAutoFit/>
+          </a:bodyPr>
+          <a:lstStyle/>
+          <a:p>
+            <a:r>
+              <a:rPr lang="en-US" dirty="0">
+                <a:hlinkClick r:id="rId2"/>
+              </a:rPr>
+              <a:t>Experiment in </a:t>
+            </a:r>
+            <a:r>
+              <a:rPr lang="en-US" dirty="0" err="1">
+                <a:hlinkClick r:id="rId2"/>
+              </a:rPr>
+              <a:t>pythontutor</a:t>
+            </a:r>
+            <a:endParaRPr lang="en-US" dirty="0"/>
+          </a:p>
+        </p:txBody>
+      </p:sp>
+      <p:pic>
+        <p:nvPicPr>
+          <p:cNvPr id="6" name="Picture 5">
+            <a:extLst>
+              <a:ext uri="{FF2B5EF4-FFF2-40B4-BE49-F238E27FC236}">
+                <a16:creationId xmlns:a16="http://schemas.microsoft.com/office/drawing/2014/main" id="{CDA3E8FB-5E24-624D-8ABE-9B6ABC9488DB}"/>
+              </a:ext>
+            </a:extLst>
+          </p:cNvPr>
+          <p:cNvPicPr>
+            <a:picLocks noChangeAspect="1"/>
+          </p:cNvPicPr>
+          <p:nvPr/>
+        </p:nvPicPr>
+        <p:blipFill>
+          <a:blip r:embed="rId3"/>
+          <a:stretch>
+            <a:fillRect/>
+          </a:stretch>
+        </p:blipFill>
+        <p:spPr>
+          <a:xfrm>
+            <a:off x="4515677" y="1626394"/>
+            <a:ext cx="7315200" cy="4749800"/>
+          </a:xfrm>
+          <a:prstGeom prst="rect">
+            <a:avLst/>
+          </a:prstGeom>
+        </p:spPr>
+      </p:pic>
+    </p:spTree>
+    <p:extLst>
+      <p:ext uri="{BB962C8B-B14F-4D97-AF65-F5344CB8AC3E}">
+        <p14:creationId xmlns:p14="http://schemas.microsoft.com/office/powerpoint/2010/main" val="2128525817"/>
+      </p:ext>
+    </p:extLst>
+  </p:cSld>
+  <p:clrMapOvr>
+    <a:masterClrMapping/>
+  </p:clrMapOvr>
+</p:sld>
+</file>
+
+<file path=ppt/slides/slide22.xml><?xml version="1.0" encoding="utf-8"?>
+<p:sld xmlns:a="http://schemas.openxmlformats.org/drawingml/2006/main" xmlns:r="http://schemas.openxmlformats.org/officeDocument/2006/relationships" xmlns:p="http://schemas.openxmlformats.org/presentationml/2006/main">
+  <p:cSld>
+    <p:spTree>
+      <p:nvGrpSpPr>
+        <p:cNvPr id="1" name=""/>
+        <p:cNvGrpSpPr/>
+        <p:nvPr/>
+      </p:nvGrpSpPr>
+      <p:grpSpPr>
+        <a:xfrm>
+          <a:off x="0" y="0"/>
+          <a:ext cx="0" cy="0"/>
+          <a:chOff x="0" y="0"/>
+          <a:chExt cx="0" cy="0"/>
+        </a:xfrm>
+      </p:grpSpPr>
+      <p:sp>
+        <p:nvSpPr>
+          <p:cNvPr id="2" name="Title 1">
+            <a:extLst>
+              <a:ext uri="{FF2B5EF4-FFF2-40B4-BE49-F238E27FC236}">
+                <a16:creationId xmlns:a16="http://schemas.microsoft.com/office/drawing/2014/main" id="{6826DACE-34B5-1B41-9BC7-2F4DDED4083C}"/>
+              </a:ext>
+            </a:extLst>
+          </p:cNvPr>
+          <p:cNvSpPr>
+            <a:spLocks noGrp="1"/>
+          </p:cNvSpPr>
+          <p:nvPr>
+            <p:ph type="title"/>
+          </p:nvPr>
+        </p:nvSpPr>
+        <p:spPr/>
+        <p:txBody>
+          <a:bodyPr/>
+          <a:lstStyle/>
+          <a:p>
+            <a:r>
+              <a:rPr lang="en-US" dirty="0"/>
+              <a:t>Exercise</a:t>
+            </a:r>
+          </a:p>
+        </p:txBody>
+      </p:sp>
+      <p:sp>
+        <p:nvSpPr>
+          <p:cNvPr id="3" name="Content Placeholder 2">
+            <a:extLst>
+              <a:ext uri="{FF2B5EF4-FFF2-40B4-BE49-F238E27FC236}">
+                <a16:creationId xmlns:a16="http://schemas.microsoft.com/office/drawing/2014/main" id="{83ABBCD4-67D7-AD44-B59E-6AF751BBB981}"/>
+              </a:ext>
+            </a:extLst>
+          </p:cNvPr>
+          <p:cNvSpPr>
+            <a:spLocks noGrp="1"/>
+          </p:cNvSpPr>
+          <p:nvPr>
+            <p:ph idx="1"/>
+          </p:nvPr>
+        </p:nvSpPr>
+        <p:spPr>
+          <a:xfrm>
+            <a:off x="838200" y="1470991"/>
+            <a:ext cx="10515600" cy="4705972"/>
+          </a:xfrm>
+        </p:spPr>
+        <p:txBody>
+          <a:bodyPr>
+            <a:normAutofit fontScale="92500" lnSpcReduction="10000"/>
+          </a:bodyPr>
+          <a:lstStyle/>
+          <a:p>
+            <a:r>
+              <a:rPr lang="en-US" dirty="0"/>
+              <a:t>What is a class?</a:t>
+            </a:r>
+          </a:p>
+          <a:p>
+            <a:r>
+              <a:rPr lang="en-US" dirty="0"/>
+              <a:t>What's the difference between a class and an instance?</a:t>
+            </a:r>
+          </a:p>
+          <a:p>
+            <a:r>
+              <a:rPr lang="en-US" dirty="0"/>
+              <a:t>Define a new instance of class </a:t>
+            </a:r>
+            <a:r>
+              <a:rPr lang="en-US" b="1" dirty="0"/>
+              <a:t>Foo</a:t>
+            </a:r>
+            <a:r>
+              <a:rPr lang="en-US" dirty="0"/>
+              <a:t> using a constructor that takes no arguments.</a:t>
+            </a:r>
+          </a:p>
+          <a:p>
+            <a:r>
+              <a:rPr lang="en-US" dirty="0"/>
+              <a:t>What is the syntax to access a field of an object?</a:t>
+            </a:r>
+          </a:p>
+          <a:p>
+            <a:r>
+              <a:rPr lang="en-US" dirty="0"/>
+              <a:t>How does a method differ from a function?</a:t>
+            </a:r>
+          </a:p>
+          <a:p>
+            <a:r>
+              <a:rPr lang="en-US" dirty="0"/>
+              <a:t>What does the __</a:t>
+            </a:r>
+            <a:r>
+              <a:rPr lang="en-US" b="1" dirty="0" err="1"/>
+              <a:t>init</a:t>
+            </a:r>
+            <a:r>
+              <a:rPr lang="en-US" dirty="0"/>
+              <a:t>__ method do?</a:t>
+            </a:r>
+          </a:p>
+          <a:p>
+            <a:r>
+              <a:rPr lang="en-US" dirty="0"/>
+              <a:t>Given classes Employee and Manager, which is the superclass in which is the subclass?</a:t>
+            </a:r>
+          </a:p>
+          <a:p>
+            <a:r>
+              <a:rPr lang="en-US" dirty="0"/>
+              <a:t>Can a method in a subclass call a method defined in the superclass?</a:t>
+            </a:r>
+          </a:p>
+          <a:p>
+            <a:r>
+              <a:rPr lang="en-US" dirty="0"/>
+              <a:t>How do you override a method inherited from your superclass?</a:t>
+            </a:r>
+          </a:p>
+        </p:txBody>
+      </p:sp>
+    </p:spTree>
+    <p:extLst>
+      <p:ext uri="{BB962C8B-B14F-4D97-AF65-F5344CB8AC3E}">
+        <p14:creationId xmlns:p14="http://schemas.microsoft.com/office/powerpoint/2010/main" val="3035499969"/>
+      </p:ext>
+    </p:extLst>
+  </p:cSld>
+  <p:clrMapOvr>
+    <a:masterClrMapping/>
+  </p:clrMapOvr>
+</p:sld>
+</file>
+
 <file path=ppt/slides/slide3.xml><?xml version="1.0" encoding="utf-8"?>
 <p:sld xmlns:a="http://schemas.openxmlformats.org/drawingml/2006/main" xmlns:r="http://schemas.openxmlformats.org/officeDocument/2006/relationships" xmlns:p="http://schemas.openxmlformats.org/presentationml/2006/main">
   <p:cSld>
@@ -4270,22 +6730,18 @@
           </a:p>
           <a:p>
             <a:r>
-              <a:rPr lang="en-US" dirty="0"/>
-              <a:t>Methods are just functions associated with classes (behavior)</a:t>
-            </a:r>
-          </a:p>
-          <a:p>
-            <a:r>
-              <a:rPr lang="en-US" dirty="0"/>
-              <a:t>Python has both functions and </a:t>
-            </a:r>
-            <a:r>
               <a:rPr lang="en-US" i="1" dirty="0"/>
-              <a:t>methods</a:t>
-            </a:r>
-            <a:r>
-              <a:rPr lang="en-US" dirty="0"/>
-              <a:t> of object programming, which is why there is both </a:t>
+              <a:t>Methods</a:t>
+            </a:r>
+            <a:r>
+              <a:rPr lang="en-US" dirty="0"/>
+              <a:t> are just functions associated with classes (behavior)</a:t>
+            </a:r>
+          </a:p>
+          <a:p>
+            <a:r>
+              <a:rPr lang="en-US" dirty="0"/>
+              <a:t>Python has both functions and methods for object programming, which is why there is both </a:t>
             </a:r>
             <a:r>
               <a:rPr lang="en-US" b="1" dirty="0" err="1"/>
@@ -4333,7 +6789,7 @@
           <a:p>
             <a:r>
               <a:rPr lang="en-US" dirty="0"/>
-              <a:t>Objects came later in Python and the syntax is a bit awkward compared to other OO languages</a:t>
+              <a:t>Objects came after the initial design in Python and the syntax is a bit awkward compared to other OO languages</a:t>
             </a:r>
           </a:p>
         </p:txBody>
@@ -4437,7 +6893,7 @@
           <a:p>
             <a:r>
               <a:rPr lang="en-US" dirty="0"/>
-              <a:t>Map real-world entities onto programming constructs; nouns become objects and verbs become methods</a:t>
+              <a:t>OO lets us map real-world entities onto programming constructs; nouns become objects and verbs become methods</a:t>
             </a:r>
           </a:p>
         </p:txBody>
@@ -4488,14 +6944,25 @@
             <p:ph type="title"/>
           </p:nvPr>
         </p:nvSpPr>
-        <p:spPr/>
-        <p:txBody>
-          <a:bodyPr/>
-          <a:lstStyle/>
-          <a:p>
-            <a:r>
-              <a:rPr lang="en-US" dirty="0"/>
-              <a:t>Package versus object members</a:t>
+        <p:spPr>
+          <a:xfrm>
+            <a:off x="838200" y="365125"/>
+            <a:ext cx="10939670" cy="1325563"/>
+          </a:xfrm>
+        </p:spPr>
+        <p:txBody>
+          <a:bodyPr>
+            <a:normAutofit/>
+          </a:bodyPr>
+          <a:lstStyle/>
+          <a:p>
+            <a:r>
+              <a:rPr lang="en-US" sz="4200" b="1" dirty="0"/>
+              <a:t>Attention</a:t>
+            </a:r>
+            <a:r>
+              <a:rPr lang="en-US" sz="4200" dirty="0"/>
+              <a:t>: Module versus object members</a:t>
             </a:r>
           </a:p>
         </p:txBody>
@@ -4528,7 +6995,7 @@
           <a:p>
             <a:r>
               <a:rPr lang="en-US" dirty="0"/>
-              <a:t>The dot ’.’ operator is overloaded in Python to mean both package member and object member access</a:t>
+              <a:t>The dot ’.’ operator is overloaded in Python to mean both module/package member and object member access</a:t>
             </a:r>
           </a:p>
           <a:p>
@@ -4684,7 +7151,7 @@
           <a:p>
             <a:r>
               <a:rPr lang="en-US" dirty="0"/>
-              <a:t>What are the various words, subexpressions here?</a:t>
+              <a:t>What kind of things are the various words and subexpressions here?</a:t>
             </a:r>
             <a:br>
               <a:rPr lang="en-US" dirty="0"/>
@@ -5041,7 +7508,12 @@
             <p:ph idx="1"/>
           </p:nvPr>
         </p:nvSpPr>
-        <p:spPr/>
+        <p:spPr>
+          <a:xfrm>
+            <a:off x="838200" y="1620078"/>
+            <a:ext cx="10515600" cy="4556885"/>
+          </a:xfrm>
+        </p:spPr>
         <p:txBody>
           <a:bodyPr/>
           <a:lstStyle/>
@@ -5228,7 +7700,7 @@
             <a:pPr lvl="1"/>
             <a:r>
               <a:rPr lang="en-US" dirty="0"/>
-              <a:t>There’s no template that guarantees each dictionary has the right key and value pairs</a:t>
+              <a:t>There’s no template that ensures each dictionary has the right key and value pairs (actually Python syntax has no way to do this)</a:t>
             </a:r>
           </a:p>
           <a:p>
@@ -5241,6 +7713,15 @@
               <a:rPr lang="en-US" b="1" dirty="0"/>
               <a:t>b[‘author’]</a:t>
             </a:r>
+            <a:r>
+              <a:rPr lang="en-US" dirty="0"/>
+              <a:t> instead of </a:t>
+            </a:r>
+            <a:r>
+              <a:rPr lang="en-US" b="1" dirty="0" err="1"/>
+              <a:t>b.author</a:t>
+            </a:r>
+            <a:endParaRPr lang="en-US" b="1" dirty="0"/>
           </a:p>
           <a:p>
             <a:pPr lvl="1"/>
@@ -5285,6 +7766,122 @@
     <p:extLst>
       <p:ext uri="{BB962C8B-B14F-4D97-AF65-F5344CB8AC3E}">
         <p14:creationId xmlns:p14="http://schemas.microsoft.com/office/powerpoint/2010/main" val="2766377277"/>
+      </p:ext>
+    </p:extLst>
+  </p:cSld>
+  <p:clrMapOvr>
+    <a:masterClrMapping/>
+  </p:clrMapOvr>
+</p:sld>
+</file>
+
+<file path=ppt/slides/slide9.xml><?xml version="1.0" encoding="utf-8"?>
+<p:sld xmlns:a="http://schemas.openxmlformats.org/drawingml/2006/main" xmlns:r="http://schemas.openxmlformats.org/officeDocument/2006/relationships" xmlns:p="http://schemas.openxmlformats.org/presentationml/2006/main">
+  <p:cSld>
+    <p:spTree>
+      <p:nvGrpSpPr>
+        <p:cNvPr id="1" name=""/>
+        <p:cNvGrpSpPr/>
+        <p:nvPr/>
+      </p:nvGrpSpPr>
+      <p:grpSpPr>
+        <a:xfrm>
+          <a:off x="0" y="0"/>
+          <a:ext cx="0" cy="0"/>
+          <a:chOff x="0" y="0"/>
+          <a:chExt cx="0" cy="0"/>
+        </a:xfrm>
+      </p:grpSpPr>
+      <p:sp>
+        <p:nvSpPr>
+          <p:cNvPr id="2" name="Title 1">
+            <a:extLst>
+              <a:ext uri="{FF2B5EF4-FFF2-40B4-BE49-F238E27FC236}">
+                <a16:creationId xmlns:a16="http://schemas.microsoft.com/office/drawing/2014/main" id="{3EB6281F-2F96-7C45-8CF4-7DB69CEAC037}"/>
+              </a:ext>
+            </a:extLst>
+          </p:cNvPr>
+          <p:cNvSpPr>
+            <a:spLocks noGrp="1"/>
+          </p:cNvSpPr>
+          <p:nvPr>
+            <p:ph type="title"/>
+          </p:nvPr>
+        </p:nvSpPr>
+        <p:spPr/>
+        <p:txBody>
+          <a:bodyPr/>
+          <a:lstStyle/>
+          <a:p>
+            <a:r>
+              <a:rPr lang="en-US" dirty="0"/>
+              <a:t>Calling functions with dictionary approach </a:t>
+            </a:r>
+          </a:p>
+        </p:txBody>
+      </p:sp>
+      <p:sp>
+        <p:nvSpPr>
+          <p:cNvPr id="3" name="Content Placeholder 2">
+            <a:extLst>
+              <a:ext uri="{FF2B5EF4-FFF2-40B4-BE49-F238E27FC236}">
+                <a16:creationId xmlns:a16="http://schemas.microsoft.com/office/drawing/2014/main" id="{3DE74E13-5F6F-6545-9236-1EDE9E18004E}"/>
+              </a:ext>
+            </a:extLst>
+          </p:cNvPr>
+          <p:cNvSpPr>
+            <a:spLocks noGrp="1"/>
+          </p:cNvSpPr>
+          <p:nvPr>
+            <p:ph idx="1"/>
+          </p:nvPr>
+        </p:nvSpPr>
+        <p:spPr/>
+        <p:txBody>
+          <a:bodyPr/>
+          <a:lstStyle/>
+          <a:p>
+            <a:r>
+              <a:rPr lang="en-US" dirty="0"/>
+              <a:t>We can obviously define a function to print out a book represented by dictionary, but there's nothing about that function that indicates it's associated with our book dictionaries</a:t>
+            </a:r>
+          </a:p>
+        </p:txBody>
+      </p:sp>
+      <p:pic>
+        <p:nvPicPr>
+          <p:cNvPr id="5" name="Picture 4">
+            <a:extLst>
+              <a:ext uri="{FF2B5EF4-FFF2-40B4-BE49-F238E27FC236}">
+                <a16:creationId xmlns:a16="http://schemas.microsoft.com/office/drawing/2014/main" id="{8306AEC6-5ACD-F941-8395-A7F7A9E38FAD}"/>
+              </a:ext>
+            </a:extLst>
+          </p:cNvPr>
+          <p:cNvPicPr>
+            <a:picLocks noChangeAspect="1"/>
+          </p:cNvPicPr>
+          <p:nvPr/>
+        </p:nvPicPr>
+        <p:blipFill>
+          <a:blip r:embed="rId2"/>
+          <a:stretch>
+            <a:fillRect/>
+          </a:stretch>
+        </p:blipFill>
+        <p:spPr>
+          <a:xfrm>
+            <a:off x="2983120" y="3283502"/>
+            <a:ext cx="5549900" cy="2298700"/>
+          </a:xfrm>
+          <a:prstGeom prst="rect">
+            <a:avLst/>
+          </a:prstGeom>
+        </p:spPr>
+      </p:pic>
+    </p:spTree>
+    <p:extLst>
+      <p:ext uri="{BB962C8B-B14F-4D97-AF65-F5344CB8AC3E}">
+        <p14:creationId xmlns:p14="http://schemas.microsoft.com/office/powerpoint/2010/main" val="629575013"/>
       </p:ext>
     </p:extLst>
   </p:cSld>

--- a/slides/OO.pptx
+++ b/slides/OO.pptx
@@ -6482,9 +6482,10 @@
           <a:lstStyle/>
           <a:p>
             <a:r>
-              <a:rPr lang="en-US" dirty="0"/>
+              <a:rPr lang="en-US"/>
               <a:t>Exercise</a:t>
             </a:r>
+            <a:endParaRPr lang="en-US" dirty="0"/>
           </a:p>
         </p:txBody>
       </p:sp>

--- a/slides/OO.pptx
+++ b/slides/OO.pptx
@@ -5,10 +5,10 @@
     <p:sldMasterId id="2147483672" r:id="rId1"/>
   </p:sldMasterIdLst>
   <p:notesMasterIdLst>
-    <p:notesMasterId r:id="rId24"/>
+    <p:notesMasterId r:id="rId23"/>
   </p:notesMasterIdLst>
   <p:handoutMasterIdLst>
-    <p:handoutMasterId r:id="rId25"/>
+    <p:handoutMasterId r:id="rId24"/>
   </p:handoutMasterIdLst>
   <p:sldIdLst>
     <p:sldId id="256" r:id="rId2"/>
@@ -32,7 +32,6 @@
     <p:sldId id="274" r:id="rId20"/>
     <p:sldId id="275" r:id="rId21"/>
     <p:sldId id="276" r:id="rId22"/>
-    <p:sldId id="277" r:id="rId23"/>
   </p:sldIdLst>
   <p:sldSz cx="12192000" cy="6858000"/>
   <p:notesSz cx="9144000" cy="6858000"/>
@@ -227,7 +226,7 @@
           <a:p>
             <a:fld id="{8A1B613A-EFF1-404F-BEE8-EFAE84A4E5E2}" type="datetimeFigureOut">
               <a:rPr lang="en-US" smtClean="0"/>
-              <a:t>6/18/21</a:t>
+              <a:t>6/25/21</a:t>
             </a:fld>
             <a:endParaRPr lang="en-US"/>
           </a:p>
@@ -392,7 +391,7 @@
           <a:p>
             <a:fld id="{690847EA-AC25-3D4E-89E1-FD3F6A9702B6}" type="datetimeFigureOut">
               <a:rPr lang="en-US" smtClean="0"/>
-              <a:t>6/18/21</a:t>
+              <a:t>6/25/21</a:t>
             </a:fld>
             <a:endParaRPr lang="en-US"/>
           </a:p>
@@ -806,7 +805,7 @@
           <a:p>
             <a:fld id="{BE5295ED-3BAF-1140-8495-3D368771D6B1}" type="datetimeFigureOut">
               <a:rPr lang="en-US" smtClean="0"/>
-              <a:t>6/18/21</a:t>
+              <a:t>6/25/21</a:t>
             </a:fld>
             <a:endParaRPr lang="en-US"/>
           </a:p>
@@ -1004,7 +1003,7 @@
           <a:p>
             <a:fld id="{BE5295ED-3BAF-1140-8495-3D368771D6B1}" type="datetimeFigureOut">
               <a:rPr lang="en-US" smtClean="0"/>
-              <a:t>6/18/21</a:t>
+              <a:t>6/25/21</a:t>
             </a:fld>
             <a:endParaRPr lang="en-US"/>
           </a:p>
@@ -1212,7 +1211,7 @@
           <a:p>
             <a:fld id="{BE5295ED-3BAF-1140-8495-3D368771D6B1}" type="datetimeFigureOut">
               <a:rPr lang="en-US" smtClean="0"/>
-              <a:t>6/18/21</a:t>
+              <a:t>6/25/21</a:t>
             </a:fld>
             <a:endParaRPr lang="en-US"/>
           </a:p>
@@ -1410,7 +1409,7 @@
           <a:p>
             <a:fld id="{BE5295ED-3BAF-1140-8495-3D368771D6B1}" type="datetimeFigureOut">
               <a:rPr lang="en-US" smtClean="0"/>
-              <a:t>6/18/21</a:t>
+              <a:t>6/25/21</a:t>
             </a:fld>
             <a:endParaRPr lang="en-US"/>
           </a:p>
@@ -1685,7 +1684,7 @@
           <a:p>
             <a:fld id="{BE5295ED-3BAF-1140-8495-3D368771D6B1}" type="datetimeFigureOut">
               <a:rPr lang="en-US" smtClean="0"/>
-              <a:t>6/18/21</a:t>
+              <a:t>6/25/21</a:t>
             </a:fld>
             <a:endParaRPr lang="en-US"/>
           </a:p>
@@ -1950,7 +1949,7 @@
           <a:p>
             <a:fld id="{BE5295ED-3BAF-1140-8495-3D368771D6B1}" type="datetimeFigureOut">
               <a:rPr lang="en-US" smtClean="0"/>
-              <a:t>6/18/21</a:t>
+              <a:t>6/25/21</a:t>
             </a:fld>
             <a:endParaRPr lang="en-US"/>
           </a:p>
@@ -2362,7 +2361,7 @@
           <a:p>
             <a:fld id="{BE5295ED-3BAF-1140-8495-3D368771D6B1}" type="datetimeFigureOut">
               <a:rPr lang="en-US" smtClean="0"/>
-              <a:t>6/18/21</a:t>
+              <a:t>6/25/21</a:t>
             </a:fld>
             <a:endParaRPr lang="en-US"/>
           </a:p>
@@ -2503,7 +2502,7 @@
           <a:p>
             <a:fld id="{BE5295ED-3BAF-1140-8495-3D368771D6B1}" type="datetimeFigureOut">
               <a:rPr lang="en-US" smtClean="0"/>
-              <a:t>6/18/21</a:t>
+              <a:t>6/25/21</a:t>
             </a:fld>
             <a:endParaRPr lang="en-US"/>
           </a:p>
@@ -2616,7 +2615,7 @@
           <a:p>
             <a:fld id="{BE5295ED-3BAF-1140-8495-3D368771D6B1}" type="datetimeFigureOut">
               <a:rPr lang="en-US" smtClean="0"/>
-              <a:t>6/18/21</a:t>
+              <a:t>6/25/21</a:t>
             </a:fld>
             <a:endParaRPr lang="en-US"/>
           </a:p>
@@ -2927,7 +2926,7 @@
           <a:p>
             <a:fld id="{BE5295ED-3BAF-1140-8495-3D368771D6B1}" type="datetimeFigureOut">
               <a:rPr lang="en-US" smtClean="0"/>
-              <a:t>6/18/21</a:t>
+              <a:t>6/25/21</a:t>
             </a:fld>
             <a:endParaRPr lang="en-US"/>
           </a:p>
@@ -3218,7 +3217,7 @@
           <a:p>
             <a:fld id="{BE5295ED-3BAF-1140-8495-3D368771D6B1}" type="datetimeFigureOut">
               <a:rPr lang="en-US" smtClean="0"/>
-              <a:t>6/18/21</a:t>
+              <a:t>6/25/21</a:t>
             </a:fld>
             <a:endParaRPr lang="en-US"/>
           </a:p>
@@ -3459,7 +3458,7 @@
           <a:p>
             <a:fld id="{BE5295ED-3BAF-1140-8495-3D368771D6B1}" type="datetimeFigureOut">
               <a:rPr lang="en-US" smtClean="0"/>
-              <a:t>6/18/21</a:t>
+              <a:t>6/25/21</a:t>
             </a:fld>
             <a:endParaRPr lang="en-US"/>
           </a:p>
@@ -4180,7 +4179,7 @@
           <a:p>
             <a:r>
               <a:rPr lang="en-US" dirty="0"/>
-              <a:t>Here, we explicitly create new fields within a </a:t>
+              <a:t>Here, we explicitly create new fields for a </a:t>
             </a:r>
             <a:r>
               <a:rPr lang="en-US" b="1" dirty="0"/>
@@ -5412,7 +5411,25 @@
           <a:p>
             <a:r>
               <a:rPr lang="en-US" dirty="0"/>
-              <a:t>Defining something new as it relates to something we already understand is usually a lot easier and starting from scratch; same is true in programming</a:t>
+              <a:t>Defining something new as it relates to something we already understand is usually a lot easier than starting from scratch; same is true in programming</a:t>
+            </a:r>
+          </a:p>
+          <a:p>
+            <a:r>
+              <a:rPr lang="en-US" dirty="0"/>
+              <a:t>A </a:t>
+            </a:r>
+            <a:r>
+              <a:rPr lang="en-US" i="1" dirty="0"/>
+              <a:t>subclass</a:t>
+            </a:r>
+            <a:r>
+              <a:rPr lang="en-US" dirty="0"/>
+              <a:t> inherits from a </a:t>
+            </a:r>
+            <a:r>
+              <a:rPr lang="en-US" i="1" dirty="0"/>
+              <a:t>superclass</a:t>
             </a:r>
           </a:p>
           <a:p>
@@ -6434,164 +6451,6 @@
     <p:extLst>
       <p:ext uri="{BB962C8B-B14F-4D97-AF65-F5344CB8AC3E}">
         <p14:creationId xmlns:p14="http://schemas.microsoft.com/office/powerpoint/2010/main" val="2128525817"/>
-      </p:ext>
-    </p:extLst>
-  </p:cSld>
-  <p:clrMapOvr>
-    <a:masterClrMapping/>
-  </p:clrMapOvr>
-</p:sld>
-</file>
-
-<file path=ppt/slides/slide22.xml><?xml version="1.0" encoding="utf-8"?>
-<p:sld xmlns:a="http://schemas.openxmlformats.org/drawingml/2006/main" xmlns:r="http://schemas.openxmlformats.org/officeDocument/2006/relationships" xmlns:p="http://schemas.openxmlformats.org/presentationml/2006/main">
-  <p:cSld>
-    <p:spTree>
-      <p:nvGrpSpPr>
-        <p:cNvPr id="1" name=""/>
-        <p:cNvGrpSpPr/>
-        <p:nvPr/>
-      </p:nvGrpSpPr>
-      <p:grpSpPr>
-        <a:xfrm>
-          <a:off x="0" y="0"/>
-          <a:ext cx="0" cy="0"/>
-          <a:chOff x="0" y="0"/>
-          <a:chExt cx="0" cy="0"/>
-        </a:xfrm>
-      </p:grpSpPr>
-      <p:sp>
-        <p:nvSpPr>
-          <p:cNvPr id="2" name="Title 1">
-            <a:extLst>
-              <a:ext uri="{FF2B5EF4-FFF2-40B4-BE49-F238E27FC236}">
-                <a16:creationId xmlns:a16="http://schemas.microsoft.com/office/drawing/2014/main" id="{6826DACE-34B5-1B41-9BC7-2F4DDED4083C}"/>
-              </a:ext>
-            </a:extLst>
-          </p:cNvPr>
-          <p:cNvSpPr>
-            <a:spLocks noGrp="1"/>
-          </p:cNvSpPr>
-          <p:nvPr>
-            <p:ph type="title"/>
-          </p:nvPr>
-        </p:nvSpPr>
-        <p:spPr/>
-        <p:txBody>
-          <a:bodyPr/>
-          <a:lstStyle/>
-          <a:p>
-            <a:r>
-              <a:rPr lang="en-US"/>
-              <a:t>Exercise</a:t>
-            </a:r>
-            <a:endParaRPr lang="en-US" dirty="0"/>
-          </a:p>
-        </p:txBody>
-      </p:sp>
-      <p:sp>
-        <p:nvSpPr>
-          <p:cNvPr id="3" name="Content Placeholder 2">
-            <a:extLst>
-              <a:ext uri="{FF2B5EF4-FFF2-40B4-BE49-F238E27FC236}">
-                <a16:creationId xmlns:a16="http://schemas.microsoft.com/office/drawing/2014/main" id="{83ABBCD4-67D7-AD44-B59E-6AF751BBB981}"/>
-              </a:ext>
-            </a:extLst>
-          </p:cNvPr>
-          <p:cNvSpPr>
-            <a:spLocks noGrp="1"/>
-          </p:cNvSpPr>
-          <p:nvPr>
-            <p:ph idx="1"/>
-          </p:nvPr>
-        </p:nvSpPr>
-        <p:spPr>
-          <a:xfrm>
-            <a:off x="838200" y="1470991"/>
-            <a:ext cx="10515600" cy="4705972"/>
-          </a:xfrm>
-        </p:spPr>
-        <p:txBody>
-          <a:bodyPr>
-            <a:normAutofit fontScale="92500" lnSpcReduction="10000"/>
-          </a:bodyPr>
-          <a:lstStyle/>
-          <a:p>
-            <a:r>
-              <a:rPr lang="en-US" dirty="0"/>
-              <a:t>What is a class?</a:t>
-            </a:r>
-          </a:p>
-          <a:p>
-            <a:r>
-              <a:rPr lang="en-US" dirty="0"/>
-              <a:t>What's the difference between a class and an instance?</a:t>
-            </a:r>
-          </a:p>
-          <a:p>
-            <a:r>
-              <a:rPr lang="en-US" dirty="0"/>
-              <a:t>Define a new instance of class </a:t>
-            </a:r>
-            <a:r>
-              <a:rPr lang="en-US" b="1" dirty="0"/>
-              <a:t>Foo</a:t>
-            </a:r>
-            <a:r>
-              <a:rPr lang="en-US" dirty="0"/>
-              <a:t> using a constructor that takes no arguments.</a:t>
-            </a:r>
-          </a:p>
-          <a:p>
-            <a:r>
-              <a:rPr lang="en-US" dirty="0"/>
-              <a:t>What is the syntax to access a field of an object?</a:t>
-            </a:r>
-          </a:p>
-          <a:p>
-            <a:r>
-              <a:rPr lang="en-US" dirty="0"/>
-              <a:t>How does a method differ from a function?</a:t>
-            </a:r>
-          </a:p>
-          <a:p>
-            <a:r>
-              <a:rPr lang="en-US" dirty="0"/>
-              <a:t>What does the __</a:t>
-            </a:r>
-            <a:r>
-              <a:rPr lang="en-US" b="1" dirty="0" err="1"/>
-              <a:t>init</a:t>
-            </a:r>
-            <a:r>
-              <a:rPr lang="en-US" dirty="0"/>
-              <a:t>__ method do?</a:t>
-            </a:r>
-          </a:p>
-          <a:p>
-            <a:r>
-              <a:rPr lang="en-US" dirty="0"/>
-              <a:t>Given classes Employee and Manager, which is the superclass in which is the subclass?</a:t>
-            </a:r>
-          </a:p>
-          <a:p>
-            <a:r>
-              <a:rPr lang="en-US" dirty="0"/>
-              <a:t>Can a method in a subclass call a method defined in the superclass?</a:t>
-            </a:r>
-          </a:p>
-          <a:p>
-            <a:r>
-              <a:rPr lang="en-US" dirty="0"/>
-              <a:t>How do you override a method inherited from your superclass?</a:t>
-            </a:r>
-          </a:p>
-        </p:txBody>
-      </p:sp>
-    </p:spTree>
-    <p:extLst>
-      <p:ext uri="{BB962C8B-B14F-4D97-AF65-F5344CB8AC3E}">
-        <p14:creationId xmlns:p14="http://schemas.microsoft.com/office/powerpoint/2010/main" val="3035499969"/>
       </p:ext>
     </p:extLst>
   </p:cSld>

--- a/slides/OO.pptx
+++ b/slides/OO.pptx
@@ -226,7 +226,7 @@
           <a:p>
             <a:fld id="{8A1B613A-EFF1-404F-BEE8-EFAE84A4E5E2}" type="datetimeFigureOut">
               <a:rPr lang="en-US" smtClean="0"/>
-              <a:t>6/25/21</a:t>
+              <a:t>8/3/21</a:t>
             </a:fld>
             <a:endParaRPr lang="en-US"/>
           </a:p>
@@ -391,7 +391,7 @@
           <a:p>
             <a:fld id="{690847EA-AC25-3D4E-89E1-FD3F6A9702B6}" type="datetimeFigureOut">
               <a:rPr lang="en-US" smtClean="0"/>
-              <a:t>6/25/21</a:t>
+              <a:t>8/3/21</a:t>
             </a:fld>
             <a:endParaRPr lang="en-US"/>
           </a:p>
@@ -805,7 +805,7 @@
           <a:p>
             <a:fld id="{BE5295ED-3BAF-1140-8495-3D368771D6B1}" type="datetimeFigureOut">
               <a:rPr lang="en-US" smtClean="0"/>
-              <a:t>6/25/21</a:t>
+              <a:t>8/3/21</a:t>
             </a:fld>
             <a:endParaRPr lang="en-US"/>
           </a:p>
@@ -1003,7 +1003,7 @@
           <a:p>
             <a:fld id="{BE5295ED-3BAF-1140-8495-3D368771D6B1}" type="datetimeFigureOut">
               <a:rPr lang="en-US" smtClean="0"/>
-              <a:t>6/25/21</a:t>
+              <a:t>8/3/21</a:t>
             </a:fld>
             <a:endParaRPr lang="en-US"/>
           </a:p>
@@ -1211,7 +1211,7 @@
           <a:p>
             <a:fld id="{BE5295ED-3BAF-1140-8495-3D368771D6B1}" type="datetimeFigureOut">
               <a:rPr lang="en-US" smtClean="0"/>
-              <a:t>6/25/21</a:t>
+              <a:t>8/3/21</a:t>
             </a:fld>
             <a:endParaRPr lang="en-US"/>
           </a:p>
@@ -1409,7 +1409,7 @@
           <a:p>
             <a:fld id="{BE5295ED-3BAF-1140-8495-3D368771D6B1}" type="datetimeFigureOut">
               <a:rPr lang="en-US" smtClean="0"/>
-              <a:t>6/25/21</a:t>
+              <a:t>8/3/21</a:t>
             </a:fld>
             <a:endParaRPr lang="en-US"/>
           </a:p>
@@ -1684,7 +1684,7 @@
           <a:p>
             <a:fld id="{BE5295ED-3BAF-1140-8495-3D368771D6B1}" type="datetimeFigureOut">
               <a:rPr lang="en-US" smtClean="0"/>
-              <a:t>6/25/21</a:t>
+              <a:t>8/3/21</a:t>
             </a:fld>
             <a:endParaRPr lang="en-US"/>
           </a:p>
@@ -1949,7 +1949,7 @@
           <a:p>
             <a:fld id="{BE5295ED-3BAF-1140-8495-3D368771D6B1}" type="datetimeFigureOut">
               <a:rPr lang="en-US" smtClean="0"/>
-              <a:t>6/25/21</a:t>
+              <a:t>8/3/21</a:t>
             </a:fld>
             <a:endParaRPr lang="en-US"/>
           </a:p>
@@ -2361,7 +2361,7 @@
           <a:p>
             <a:fld id="{BE5295ED-3BAF-1140-8495-3D368771D6B1}" type="datetimeFigureOut">
               <a:rPr lang="en-US" smtClean="0"/>
-              <a:t>6/25/21</a:t>
+              <a:t>8/3/21</a:t>
             </a:fld>
             <a:endParaRPr lang="en-US"/>
           </a:p>
@@ -2502,7 +2502,7 @@
           <a:p>
             <a:fld id="{BE5295ED-3BAF-1140-8495-3D368771D6B1}" type="datetimeFigureOut">
               <a:rPr lang="en-US" smtClean="0"/>
-              <a:t>6/25/21</a:t>
+              <a:t>8/3/21</a:t>
             </a:fld>
             <a:endParaRPr lang="en-US"/>
           </a:p>
@@ -2615,7 +2615,7 @@
           <a:p>
             <a:fld id="{BE5295ED-3BAF-1140-8495-3D368771D6B1}" type="datetimeFigureOut">
               <a:rPr lang="en-US" smtClean="0"/>
-              <a:t>6/25/21</a:t>
+              <a:t>8/3/21</a:t>
             </a:fld>
             <a:endParaRPr lang="en-US"/>
           </a:p>
@@ -2926,7 +2926,7 @@
           <a:p>
             <a:fld id="{BE5295ED-3BAF-1140-8495-3D368771D6B1}" type="datetimeFigureOut">
               <a:rPr lang="en-US" smtClean="0"/>
-              <a:t>6/25/21</a:t>
+              <a:t>8/3/21</a:t>
             </a:fld>
             <a:endParaRPr lang="en-US"/>
           </a:p>
@@ -3217,7 +3217,7 @@
           <a:p>
             <a:fld id="{BE5295ED-3BAF-1140-8495-3D368771D6B1}" type="datetimeFigureOut">
               <a:rPr lang="en-US" smtClean="0"/>
-              <a:t>6/25/21</a:t>
+              <a:t>8/3/21</a:t>
             </a:fld>
             <a:endParaRPr lang="en-US"/>
           </a:p>
@@ -3458,7 +3458,7 @@
           <a:p>
             <a:fld id="{BE5295ED-3BAF-1140-8495-3D368771D6B1}" type="datetimeFigureOut">
               <a:rPr lang="en-US" smtClean="0"/>
-              <a:t>6/25/21</a:t>
+              <a:t>8/3/21</a:t>
             </a:fld>
             <a:endParaRPr lang="en-US"/>
           </a:p>
@@ -4341,7 +4341,7 @@
           <a:p>
             <a:r>
               <a:rPr lang="en-US" dirty="0"/>
-              <a:t>Associating a function to a class</a:t>
+              <a:t>Attaching a function to a class</a:t>
             </a:r>
           </a:p>
         </p:txBody>
@@ -4369,7 +4369,7 @@
           <a:p>
             <a:r>
               <a:rPr lang="en-US" dirty="0"/>
-              <a:t>As with fields for a specific instance, we can assign a function to the class definition using an assignment</a:t>
+              <a:t>As with fields for a specific instance, we can attach a function to the class definition using an assignment</a:t>
             </a:r>
           </a:p>
           <a:p>
@@ -4418,8 +4418,38 @@
         </p:blipFill>
         <p:spPr>
           <a:xfrm>
-            <a:off x="3456333" y="3560763"/>
+            <a:off x="5394960" y="3429000"/>
             <a:ext cx="4762500" cy="2616200"/>
+          </a:xfrm>
+          <a:prstGeom prst="rect">
+            <a:avLst/>
+          </a:prstGeom>
+        </p:spPr>
+      </p:pic>
+      <p:pic>
+        <p:nvPicPr>
+          <p:cNvPr id="6" name="Picture 5" descr="Text&#10;&#10;Description automatically generated">
+            <a:extLst>
+              <a:ext uri="{FF2B5EF4-FFF2-40B4-BE49-F238E27FC236}">
+                <a16:creationId xmlns:a16="http://schemas.microsoft.com/office/drawing/2014/main" id="{7CEB4F83-6F46-1941-808C-F3162656FF1A}"/>
+              </a:ext>
+            </a:extLst>
+          </p:cNvPr>
+          <p:cNvPicPr>
+            <a:picLocks noChangeAspect="1"/>
+          </p:cNvPicPr>
+          <p:nvPr/>
+        </p:nvPicPr>
+        <p:blipFill>
+          <a:blip r:embed="rId3"/>
+          <a:stretch>
+            <a:fillRect/>
+          </a:stretch>
+        </p:blipFill>
+        <p:spPr>
+          <a:xfrm>
+            <a:off x="1186180" y="3429000"/>
+            <a:ext cx="3378200" cy="1955800"/>
           </a:xfrm>
           <a:prstGeom prst="rect">
             <a:avLst/>
@@ -4500,20 +4530,33 @@
             <p:ph idx="1"/>
           </p:nvPr>
         </p:nvSpPr>
-        <p:spPr/>
+        <p:spPr>
+          <a:xfrm>
+            <a:off x="838200" y="1825625"/>
+            <a:ext cx="10916920" cy="4351338"/>
+          </a:xfrm>
+        </p:spPr>
         <p:txBody>
           <a:bodyPr/>
           <a:lstStyle/>
           <a:p>
             <a:r>
               <a:rPr lang="en-US" dirty="0"/>
-              <a:t>Associating fields &amp; functions to objects &amp; classes with assignments is awkward; better to nest methods within classes</a:t>
-            </a:r>
-          </a:p>
-          <a:p>
-            <a:r>
-              <a:rPr lang="en-US" dirty="0"/>
-              <a:t>Let's start by defining a constructor that sets initial and default field values based upon the arguments</a:t>
+              <a:t>Associating fields &amp; functions to objects &amp; classes with assignments is awkward; better to embed methods within classes</a:t>
+            </a:r>
+          </a:p>
+          <a:p>
+            <a:r>
+              <a:rPr lang="en-US" dirty="0"/>
+              <a:t>Let's start by defining a constructor that sets initial and default field values based upon the arguments (a </a:t>
+            </a:r>
+            <a:r>
+              <a:rPr lang="en-US" dirty="0" err="1"/>
+              <a:t>func</a:t>
+            </a:r>
+            <a:r>
+              <a:rPr lang="en-US" dirty="0"/>
+              <a:t> nested inside class)</a:t>
             </a:r>
           </a:p>
         </p:txBody>
@@ -4622,8 +4665,8 @@
         </p:nvSpPr>
         <p:spPr>
           <a:xfrm>
-            <a:off x="9771069" y="-13251"/>
-            <a:ext cx="1171913" cy="1323439"/>
+            <a:off x="9872669" y="91122"/>
+            <a:ext cx="907091" cy="830997"/>
           </a:xfrm>
           <a:prstGeom prst="rect">
             <a:avLst/>
@@ -4636,9 +4679,10 @@
           <a:lstStyle/>
           <a:p>
             <a:r>
-              <a:rPr lang="en-US" sz="8000" dirty="0"/>
+              <a:rPr lang="en-US" sz="4800" dirty="0"/>
               <a:t>🚫</a:t>
             </a:r>
+            <a:endParaRPr lang="en-US" sz="7200" dirty="0"/>
           </a:p>
         </p:txBody>
       </p:sp>
@@ -4656,7 +4700,7 @@
         </p:nvSpPr>
         <p:spPr>
           <a:xfrm>
-            <a:off x="1300337" y="5770497"/>
+            <a:off x="1270489" y="6311900"/>
             <a:ext cx="5019387" cy="369332"/>
           </a:xfrm>
           <a:prstGeom prst="rect">
@@ -4690,6 +4734,137 @@
               <a:rPr lang="en-US" i="1" dirty="0"/>
               <a:t> is a convention (and super weird)</a:t>
             </a:r>
+          </a:p>
+        </p:txBody>
+      </p:sp>
+      <p:sp>
+        <p:nvSpPr>
+          <p:cNvPr id="4" name="TextBox 3">
+            <a:extLst>
+              <a:ext uri="{FF2B5EF4-FFF2-40B4-BE49-F238E27FC236}">
+                <a16:creationId xmlns:a16="http://schemas.microsoft.com/office/drawing/2014/main" id="{90707FF1-91F0-EA4D-A79B-3F1C42008272}"/>
+              </a:ext>
+            </a:extLst>
+          </p:cNvPr>
+          <p:cNvSpPr txBox="1"/>
+          <p:nvPr/>
+        </p:nvSpPr>
+        <p:spPr>
+          <a:xfrm>
+            <a:off x="127489" y="5321102"/>
+            <a:ext cx="2286000" cy="923330"/>
+          </a:xfrm>
+          <a:prstGeom prst="rect">
+            <a:avLst/>
+          </a:prstGeom>
+          <a:noFill/>
+        </p:spPr>
+        <p:txBody>
+          <a:bodyPr wrap="square" rtlCol="0">
+            <a:spAutoFit/>
+          </a:bodyPr>
+          <a:lstStyle/>
+          <a:p>
+            <a:r>
+              <a:rPr lang="en-US" dirty="0"/>
+              <a:t>Python creates an object and passes it to constructor</a:t>
+            </a:r>
+          </a:p>
+        </p:txBody>
+      </p:sp>
+      <p:cxnSp>
+        <p:nvCxnSpPr>
+          <p:cNvPr id="12" name="Straight Arrow Connector 11">
+            <a:extLst>
+              <a:ext uri="{FF2B5EF4-FFF2-40B4-BE49-F238E27FC236}">
+                <a16:creationId xmlns:a16="http://schemas.microsoft.com/office/drawing/2014/main" id="{103C29BF-F70C-ED42-B851-FCF7104F11C3}"/>
+              </a:ext>
+            </a:extLst>
+          </p:cNvPr>
+          <p:cNvCxnSpPr>
+            <a:cxnSpLocks/>
+          </p:cNvCxnSpPr>
+          <p:nvPr/>
+        </p:nvCxnSpPr>
+        <p:spPr>
+          <a:xfrm flipV="1">
+            <a:off x="2113280" y="4386905"/>
+            <a:ext cx="1503680" cy="1127759"/>
+          </a:xfrm>
+          <a:prstGeom prst="straightConnector1">
+            <a:avLst/>
+          </a:prstGeom>
+          <a:ln>
+            <a:solidFill>
+              <a:srgbClr val="E4754F"/>
+            </a:solidFill>
+            <a:tailEnd type="triangle"/>
+          </a:ln>
+        </p:spPr>
+        <p:style>
+          <a:lnRef idx="1">
+            <a:schemeClr val="accent1"/>
+          </a:lnRef>
+          <a:fillRef idx="0">
+            <a:schemeClr val="accent1"/>
+          </a:fillRef>
+          <a:effectRef idx="0">
+            <a:schemeClr val="accent1"/>
+          </a:effectRef>
+          <a:fontRef idx="minor">
+            <a:schemeClr val="tx1"/>
+          </a:fontRef>
+        </p:style>
+      </p:cxnSp>
+      <p:sp>
+        <p:nvSpPr>
+          <p:cNvPr id="8" name="Rectangle 7">
+            <a:extLst>
+              <a:ext uri="{FF2B5EF4-FFF2-40B4-BE49-F238E27FC236}">
+                <a16:creationId xmlns:a16="http://schemas.microsoft.com/office/drawing/2014/main" id="{9A42AFAE-5370-E54C-9E0A-A49E85A645C8}"/>
+              </a:ext>
+            </a:extLst>
+          </p:cNvPr>
+          <p:cNvSpPr/>
+          <p:nvPr/>
+        </p:nvSpPr>
+        <p:spPr>
+          <a:xfrm>
+            <a:off x="3536162" y="4111633"/>
+            <a:ext cx="481029" cy="315912"/>
+          </a:xfrm>
+          <a:prstGeom prst="rect">
+            <a:avLst/>
+          </a:prstGeom>
+          <a:noFill/>
+          <a:ln w="9525">
+            <a:solidFill>
+              <a:srgbClr val="E4754F"/>
+            </a:solidFill>
+          </a:ln>
+        </p:spPr>
+        <p:style>
+          <a:lnRef idx="2">
+            <a:schemeClr val="accent1">
+              <a:shade val="50000"/>
+            </a:schemeClr>
+          </a:lnRef>
+          <a:fillRef idx="1">
+            <a:schemeClr val="accent1"/>
+          </a:fillRef>
+          <a:effectRef idx="0">
+            <a:schemeClr val="accent1"/>
+          </a:effectRef>
+          <a:fontRef idx="minor">
+            <a:schemeClr val="lt1"/>
+          </a:fontRef>
+        </p:style>
+        <p:txBody>
+          <a:bodyPr rtlCol="0" anchor="ctr"/>
+          <a:lstStyle/>
+          <a:p>
+            <a:pPr algn="ctr"/>
+            <a:endParaRPr lang="en-US"/>
           </a:p>
         </p:txBody>
       </p:sp>
@@ -5304,11 +5479,11 @@
             </a:r>
             <a:r>
               <a:rPr lang="en-US" dirty="0"/>
-              <a:t> or instead of i</a:t>
+              <a:t> or instead of </a:t>
             </a:r>
             <a:r>
               <a:rPr lang="en-US" b="1" dirty="0"/>
-              <a:t>nflate(ball)</a:t>
+              <a:t>inflate(ball)</a:t>
             </a:r>
             <a:r>
               <a:rPr lang="en-US" dirty="0"/>
@@ -5532,13 +5707,7 @@
               <a:rPr lang="en-US" dirty="0">
                 <a:hlinkClick r:id="rId4"/>
               </a:rPr>
-              <a:t>Experiment in </a:t>
-            </a:r>
-            <a:r>
-              <a:rPr lang="en-US" dirty="0" err="1">
-                <a:hlinkClick r:id="rId4"/>
-              </a:rPr>
-              <a:t>pythontutor</a:t>
+              <a:t>Experiment in pythontutor</a:t>
             </a:r>
             <a:endParaRPr lang="en-US" dirty="0"/>
           </a:p>
@@ -5599,6 +5768,13 @@
               <a:rPr lang="en-US" dirty="0"/>
               <a:t>Inheriting fields</a:t>
             </a:r>
+            <a:br>
+              <a:rPr lang="en-US" dirty="0"/>
+            </a:br>
+            <a:r>
+              <a:rPr lang="en-US" dirty="0"/>
+              <a:t>(conceptually but not really)</a:t>
+            </a:r>
           </a:p>
         </p:txBody>
       </p:sp>
@@ -5668,6 +5844,124 @@
           </a:prstGeom>
         </p:spPr>
       </p:pic>
+      <p:sp>
+        <p:nvSpPr>
+          <p:cNvPr id="5" name="TextBox 4">
+            <a:extLst>
+              <a:ext uri="{FF2B5EF4-FFF2-40B4-BE49-F238E27FC236}">
+                <a16:creationId xmlns:a16="http://schemas.microsoft.com/office/drawing/2014/main" id="{5C39E5B7-0C6E-CC42-99DA-E7F245CA1AFC}"/>
+              </a:ext>
+            </a:extLst>
+          </p:cNvPr>
+          <p:cNvSpPr txBox="1"/>
+          <p:nvPr/>
+        </p:nvSpPr>
+        <p:spPr>
+          <a:xfrm>
+            <a:off x="0" y="6488668"/>
+            <a:ext cx="2877711" cy="369332"/>
+          </a:xfrm>
+          <a:prstGeom prst="rect">
+            <a:avLst/>
+          </a:prstGeom>
+          <a:noFill/>
+        </p:spPr>
+        <p:txBody>
+          <a:bodyPr wrap="none" rtlCol="0">
+            <a:spAutoFit/>
+          </a:bodyPr>
+          <a:lstStyle/>
+          <a:p>
+            <a:r>
+              <a:rPr lang="en-US" dirty="0">
+                <a:hlinkClick r:id="rId3"/>
+              </a:rPr>
+              <a:t>Experiment in pythontutor</a:t>
+            </a:r>
+            <a:endParaRPr lang="en-US" dirty="0"/>
+          </a:p>
+        </p:txBody>
+      </p:sp>
+      <p:sp>
+        <p:nvSpPr>
+          <p:cNvPr id="6" name="TextBox 5">
+            <a:extLst>
+              <a:ext uri="{FF2B5EF4-FFF2-40B4-BE49-F238E27FC236}">
+                <a16:creationId xmlns:a16="http://schemas.microsoft.com/office/drawing/2014/main" id="{46F62945-3B03-2E40-8736-967BC96849D8}"/>
+              </a:ext>
+            </a:extLst>
+          </p:cNvPr>
+          <p:cNvSpPr txBox="1"/>
+          <p:nvPr/>
+        </p:nvSpPr>
+        <p:spPr>
+          <a:xfrm>
+            <a:off x="9194800" y="2847132"/>
+            <a:ext cx="2804160" cy="2308324"/>
+          </a:xfrm>
+          <a:prstGeom prst="rect">
+            <a:avLst/>
+          </a:prstGeom>
+          <a:noFill/>
+        </p:spPr>
+        <p:txBody>
+          <a:bodyPr wrap="square" rtlCol="0">
+            <a:spAutoFit/>
+          </a:bodyPr>
+          <a:lstStyle/>
+          <a:p>
+            <a:r>
+              <a:rPr lang="en-US" dirty="0"/>
+              <a:t>Either call superclass constructor or manually set fields; technically, we are not inheriting fields but we consider subclasses to always inherit the fields of their superclass</a:t>
+            </a:r>
+          </a:p>
+        </p:txBody>
+      </p:sp>
+      <p:cxnSp>
+        <p:nvCxnSpPr>
+          <p:cNvPr id="8" name="Straight Arrow Connector 7">
+            <a:extLst>
+              <a:ext uri="{FF2B5EF4-FFF2-40B4-BE49-F238E27FC236}">
+                <a16:creationId xmlns:a16="http://schemas.microsoft.com/office/drawing/2014/main" id="{12B605F9-CB79-B541-878E-944A00A53EE7}"/>
+              </a:ext>
+            </a:extLst>
+          </p:cNvPr>
+          <p:cNvCxnSpPr>
+            <a:cxnSpLocks/>
+            <a:stCxn id="6" idx="1"/>
+          </p:cNvCxnSpPr>
+          <p:nvPr/>
+        </p:nvCxnSpPr>
+        <p:spPr>
+          <a:xfrm flipH="1" flipV="1">
+            <a:off x="7843520" y="3708402"/>
+            <a:ext cx="1351280" cy="292892"/>
+          </a:xfrm>
+          <a:prstGeom prst="straightConnector1">
+            <a:avLst/>
+          </a:prstGeom>
+          <a:ln>
+            <a:solidFill>
+              <a:srgbClr val="E4754F"/>
+            </a:solidFill>
+            <a:tailEnd type="triangle"/>
+          </a:ln>
+        </p:spPr>
+        <p:style>
+          <a:lnRef idx="1">
+            <a:schemeClr val="accent1"/>
+          </a:lnRef>
+          <a:fillRef idx="0">
+            <a:schemeClr val="accent1"/>
+          </a:fillRef>
+          <a:effectRef idx="0">
+            <a:schemeClr val="accent1"/>
+          </a:effectRef>
+          <a:fontRef idx="minor">
+            <a:schemeClr val="tx1"/>
+          </a:fontRef>
+        </p:style>
+      </p:cxnSp>
     </p:spTree>
     <p:extLst>
       <p:ext uri="{BB962C8B-B14F-4D97-AF65-F5344CB8AC3E}">
@@ -5910,7 +6204,7 @@
         </p:blipFill>
         <p:spPr>
           <a:xfrm>
-            <a:off x="3302552" y="2894568"/>
+            <a:off x="1128312" y="2717800"/>
             <a:ext cx="5308600" cy="3594100"/>
           </a:xfrm>
           <a:prstGeom prst="rect">
@@ -5950,18 +6244,99 @@
               <a:rPr lang="en-US" dirty="0">
                 <a:hlinkClick r:id="rId3"/>
               </a:rPr>
-              <a:t>Experiment in </a:t>
-            </a:r>
-            <a:r>
-              <a:rPr lang="en-US" dirty="0" err="1">
-                <a:hlinkClick r:id="rId3"/>
-              </a:rPr>
-              <a:t>pythontutor</a:t>
+              <a:t>Experiment in pythontutor</a:t>
             </a:r>
             <a:endParaRPr lang="en-US" dirty="0"/>
           </a:p>
         </p:txBody>
       </p:sp>
+      <p:sp>
+        <p:nvSpPr>
+          <p:cNvPr id="7" name="TextBox 6">
+            <a:extLst>
+              <a:ext uri="{FF2B5EF4-FFF2-40B4-BE49-F238E27FC236}">
+                <a16:creationId xmlns:a16="http://schemas.microsoft.com/office/drawing/2014/main" id="{D376458C-280D-6E4B-843E-732A51EEE577}"/>
+              </a:ext>
+            </a:extLst>
+          </p:cNvPr>
+          <p:cNvSpPr txBox="1"/>
+          <p:nvPr/>
+        </p:nvSpPr>
+        <p:spPr>
+          <a:xfrm>
+            <a:off x="7172408" y="4519416"/>
+            <a:ext cx="2804160" cy="369332"/>
+          </a:xfrm>
+          <a:prstGeom prst="rect">
+            <a:avLst/>
+          </a:prstGeom>
+          <a:noFill/>
+        </p:spPr>
+        <p:txBody>
+          <a:bodyPr wrap="square" rtlCol="0">
+            <a:spAutoFit/>
+          </a:bodyPr>
+          <a:lstStyle/>
+          <a:p>
+            <a:r>
+              <a:rPr lang="en-US" dirty="0"/>
+              <a:t>Calls </a:t>
+            </a:r>
+            <a:r>
+              <a:rPr lang="en-US" b="1" dirty="0" err="1"/>
+              <a:t>Account.add</a:t>
+            </a:r>
+            <a:r>
+              <a:rPr lang="en-US" b="1" dirty="0"/>
+              <a:t>()</a:t>
+            </a:r>
+          </a:p>
+        </p:txBody>
+      </p:sp>
+      <p:cxnSp>
+        <p:nvCxnSpPr>
+          <p:cNvPr id="8" name="Straight Arrow Connector 7">
+            <a:extLst>
+              <a:ext uri="{FF2B5EF4-FFF2-40B4-BE49-F238E27FC236}">
+                <a16:creationId xmlns:a16="http://schemas.microsoft.com/office/drawing/2014/main" id="{A7467618-B9CF-694B-B0CD-2C4E4EACF724}"/>
+              </a:ext>
+            </a:extLst>
+          </p:cNvPr>
+          <p:cNvCxnSpPr>
+            <a:cxnSpLocks/>
+          </p:cNvCxnSpPr>
+          <p:nvPr/>
+        </p:nvCxnSpPr>
+        <p:spPr>
+          <a:xfrm flipH="1">
+            <a:off x="2570480" y="4704082"/>
+            <a:ext cx="4673600" cy="0"/>
+          </a:xfrm>
+          <a:prstGeom prst="straightConnector1">
+            <a:avLst/>
+          </a:prstGeom>
+          <a:ln>
+            <a:solidFill>
+              <a:srgbClr val="E4754F"/>
+            </a:solidFill>
+            <a:tailEnd type="triangle"/>
+          </a:ln>
+        </p:spPr>
+        <p:style>
+          <a:lnRef idx="1">
+            <a:schemeClr val="accent1"/>
+          </a:lnRef>
+          <a:fillRef idx="0">
+            <a:schemeClr val="accent1"/>
+          </a:fillRef>
+          <a:effectRef idx="0">
+            <a:schemeClr val="accent1"/>
+          </a:effectRef>
+          <a:fontRef idx="minor">
+            <a:schemeClr val="tx1"/>
+          </a:fontRef>
+        </p:style>
+      </p:cxnSp>
     </p:spTree>
     <p:extLst>
       <p:ext uri="{BB962C8B-B14F-4D97-AF65-F5344CB8AC3E}">
@@ -6227,7 +6602,7 @@
         </p:nvSpPr>
         <p:spPr>
           <a:xfrm>
-            <a:off x="133481" y="6411291"/>
+            <a:off x="3750441" y="5976908"/>
             <a:ext cx="5400646" cy="400110"/>
           </a:xfrm>
           <a:prstGeom prst="rect">
@@ -6271,6 +6646,44 @@
               <a:t> previous functionality</a:t>
             </a:r>
             <a:endParaRPr lang="en-US" sz="2000" dirty="0"/>
+          </a:p>
+        </p:txBody>
+      </p:sp>
+      <p:sp>
+        <p:nvSpPr>
+          <p:cNvPr id="7" name="TextBox 6">
+            <a:extLst>
+              <a:ext uri="{FF2B5EF4-FFF2-40B4-BE49-F238E27FC236}">
+                <a16:creationId xmlns:a16="http://schemas.microsoft.com/office/drawing/2014/main" id="{78CEA421-3A8F-4145-975B-9CD449414CF8}"/>
+              </a:ext>
+            </a:extLst>
+          </p:cNvPr>
+          <p:cNvSpPr txBox="1"/>
+          <p:nvPr/>
+        </p:nvSpPr>
+        <p:spPr>
+          <a:xfrm>
+            <a:off x="0" y="6488668"/>
+            <a:ext cx="2877711" cy="369332"/>
+          </a:xfrm>
+          <a:prstGeom prst="rect">
+            <a:avLst/>
+          </a:prstGeom>
+          <a:noFill/>
+        </p:spPr>
+        <p:txBody>
+          <a:bodyPr wrap="none" rtlCol="0">
+            <a:spAutoFit/>
+          </a:bodyPr>
+          <a:lstStyle/>
+          <a:p>
+            <a:r>
+              <a:rPr lang="en-US" dirty="0">
+                <a:hlinkClick r:id="rId3"/>
+              </a:rPr>
+              <a:t>Experiment in pythontutor</a:t>
+            </a:r>
+            <a:endParaRPr lang="en-US" dirty="0"/>
           </a:p>
         </p:txBody>
       </p:sp>
@@ -6351,7 +6764,7 @@
         <p:spPr>
           <a:xfrm>
             <a:off x="838200" y="1825625"/>
-            <a:ext cx="3375991" cy="4351338"/>
+            <a:ext cx="3489960" cy="4351338"/>
           </a:xfrm>
         </p:spPr>
         <p:txBody>
@@ -6360,7 +6773,7 @@
           <a:p>
             <a:r>
               <a:rPr lang="en-US" dirty="0"/>
-              <a:t>We can also </a:t>
+              <a:t>We can also </a:t>
             </a:r>
             <a:r>
               <a:rPr lang="en-US" i="1" dirty="0"/>
@@ -6529,9 +6942,53 @@
         </p:spPr>
         <p:txBody>
           <a:bodyPr>
-            <a:normAutofit lnSpcReduction="10000"/>
+            <a:normAutofit fontScale="92500" lnSpcReduction="10000"/>
           </a:bodyPr>
           <a:lstStyle/>
+          <a:p>
+            <a:r>
+              <a:rPr lang="en-US" dirty="0"/>
+              <a:t>An object represents a (potentially) real-world entity and </a:t>
+            </a:r>
+            <a:r>
+              <a:rPr lang="en-US" i="1" dirty="0"/>
+              <a:t>encapsulates</a:t>
+            </a:r>
+            <a:r>
+              <a:rPr lang="en-US" dirty="0"/>
+              <a:t> its state (</a:t>
+            </a:r>
+            <a:r>
+              <a:rPr lang="en-US" i="1" dirty="0"/>
+              <a:t>fields</a:t>
+            </a:r>
+            <a:r>
+              <a:rPr lang="en-US" dirty="0"/>
+              <a:t>) and behavior (</a:t>
+            </a:r>
+            <a:r>
+              <a:rPr lang="en-US" i="1" dirty="0"/>
+              <a:t>methods</a:t>
+            </a:r>
+            <a:r>
+              <a:rPr lang="en-US" dirty="0"/>
+              <a:t>)</a:t>
+            </a:r>
+          </a:p>
+          <a:p>
+            <a:r>
+              <a:rPr lang="en-US" dirty="0"/>
+              <a:t>An object is called an </a:t>
+            </a:r>
+            <a:r>
+              <a:rPr lang="en-US" i="1" dirty="0"/>
+              <a:t>instance</a:t>
+            </a:r>
+            <a:r>
+              <a:rPr lang="en-US" dirty="0"/>
+              <a:t> of the class</a:t>
+            </a:r>
+          </a:p>
           <a:p>
             <a:r>
               <a:rPr lang="en-US" dirty="0"/>
@@ -6549,42 +7006,6 @@
           <a:p>
             <a:r>
               <a:rPr lang="en-US" dirty="0"/>
-              <a:t>A class </a:t>
-            </a:r>
-            <a:r>
-              <a:rPr lang="en-US" i="1" dirty="0"/>
-              <a:t>encapsulates</a:t>
-            </a:r>
-            <a:r>
-              <a:rPr lang="en-US" dirty="0"/>
-              <a:t> the state (</a:t>
-            </a:r>
-            <a:r>
-              <a:rPr lang="en-US" i="1" dirty="0"/>
-              <a:t>fields</a:t>
-            </a:r>
-            <a:r>
-              <a:rPr lang="en-US" dirty="0"/>
-              <a:t>) and behavior of an object</a:t>
-            </a:r>
-          </a:p>
-          <a:p>
-            <a:r>
-              <a:rPr lang="en-US" dirty="0"/>
-              <a:t>An object is called an </a:t>
-            </a:r>
-            <a:r>
-              <a:rPr lang="en-US" i="1" dirty="0"/>
-              <a:t>instance</a:t>
-            </a:r>
-            <a:r>
-              <a:rPr lang="en-US" dirty="0"/>
-              <a:t> of the class</a:t>
-            </a:r>
-          </a:p>
-          <a:p>
-            <a:r>
-              <a:rPr lang="en-US" dirty="0"/>
               <a:t>In common speech, we often use the terms interchangeably</a:t>
             </a:r>
           </a:p>
@@ -6649,7 +7070,7 @@
           <a:p>
             <a:r>
               <a:rPr lang="en-US" dirty="0"/>
-              <a:t>Objects came after the initial design in Python and the syntax is a bit awkward compared to other OO languages</a:t>
+              <a:t>Objects were added after-the-fact to Python and the syntax is a bit awkward compared to other OO languages</a:t>
             </a:r>
           </a:p>
         </p:txBody>
@@ -6855,7 +7276,7 @@
           <a:p>
             <a:r>
               <a:rPr lang="en-US" dirty="0"/>
-              <a:t>The dot ’.’ operator is overloaded in Python to mean both module/package member and object member access</a:t>
+              <a:t>The dot ’.’ operator is overloaded in Python to mean both module/package member access and object member access</a:t>
             </a:r>
           </a:p>
           <a:p>
@@ -6900,10 +7321,10 @@
       </p:sp>
       <p:pic>
         <p:nvPicPr>
-          <p:cNvPr id="5" name="Picture 4" descr="Graphical user interface, text, application, chat or text message&#10;&#10;Description automatically generated">
-            <a:extLst>
-              <a:ext uri="{FF2B5EF4-FFF2-40B4-BE49-F238E27FC236}">
-                <a16:creationId xmlns:a16="http://schemas.microsoft.com/office/drawing/2014/main" id="{D9504084-3D5F-B046-88C5-822FD6DC4F28}"/>
+          <p:cNvPr id="6" name="Picture 5" descr="Graphical user interface, text, application, chat or text message&#10;&#10;Description automatically generated">
+            <a:extLst>
+              <a:ext uri="{FF2B5EF4-FFF2-40B4-BE49-F238E27FC236}">
+                <a16:creationId xmlns:a16="http://schemas.microsoft.com/office/drawing/2014/main" id="{48062D79-B886-A74A-B05E-8293F5FBB3F1}"/>
               </a:ext>
             </a:extLst>
           </p:cNvPr>
@@ -6920,8 +7341,8 @@
         </p:blipFill>
         <p:spPr>
           <a:xfrm>
-            <a:off x="8682659" y="1690688"/>
-            <a:ext cx="2857500" cy="3124200"/>
+            <a:off x="8765632" y="1825625"/>
+            <a:ext cx="3131942" cy="3317081"/>
           </a:xfrm>
           <a:prstGeom prst="rect">
             <a:avLst/>
@@ -7467,6 +7888,131 @@
           </a:p>
         </p:txBody>
       </p:sp>
+      <p:sp>
+        <p:nvSpPr>
+          <p:cNvPr id="4" name="TextBox 3">
+            <a:extLst>
+              <a:ext uri="{FF2B5EF4-FFF2-40B4-BE49-F238E27FC236}">
+                <a16:creationId xmlns:a16="http://schemas.microsoft.com/office/drawing/2014/main" id="{6A2329A2-1F63-C24C-B744-DCDAF1C8EA45}"/>
+              </a:ext>
+            </a:extLst>
+          </p:cNvPr>
+          <p:cNvSpPr txBox="1"/>
+          <p:nvPr/>
+        </p:nvSpPr>
+        <p:spPr>
+          <a:xfrm>
+            <a:off x="7582829" y="5053256"/>
+            <a:ext cx="2044149" cy="369332"/>
+          </a:xfrm>
+          <a:prstGeom prst="rect">
+            <a:avLst/>
+          </a:prstGeom>
+          <a:noFill/>
+        </p:spPr>
+        <p:txBody>
+          <a:bodyPr wrap="none" rtlCol="0">
+            <a:spAutoFit/>
+          </a:bodyPr>
+          <a:lstStyle/>
+          <a:p>
+            <a:r>
+              <a:rPr lang="en-US" dirty="0"/>
+              <a:t>Acts like an object</a:t>
+            </a:r>
+          </a:p>
+        </p:txBody>
+      </p:sp>
+      <p:cxnSp>
+        <p:nvCxnSpPr>
+          <p:cNvPr id="8" name="Straight Arrow Connector 7">
+            <a:extLst>
+              <a:ext uri="{FF2B5EF4-FFF2-40B4-BE49-F238E27FC236}">
+                <a16:creationId xmlns:a16="http://schemas.microsoft.com/office/drawing/2014/main" id="{83D36201-C9DE-2342-8265-9ED1256A61EA}"/>
+              </a:ext>
+            </a:extLst>
+          </p:cNvPr>
+          <p:cNvCxnSpPr>
+            <a:cxnSpLocks/>
+            <a:stCxn id="4" idx="1"/>
+          </p:cNvCxnSpPr>
+          <p:nvPr/>
+        </p:nvCxnSpPr>
+        <p:spPr>
+          <a:xfrm flipH="1">
+            <a:off x="6427129" y="5237922"/>
+            <a:ext cx="1155700" cy="23259"/>
+          </a:xfrm>
+          <a:prstGeom prst="straightConnector1">
+            <a:avLst/>
+          </a:prstGeom>
+          <a:ln>
+            <a:solidFill>
+              <a:srgbClr val="E4754F"/>
+            </a:solidFill>
+            <a:tailEnd type="triangle"/>
+          </a:ln>
+        </p:spPr>
+        <p:style>
+          <a:lnRef idx="1">
+            <a:schemeClr val="accent1"/>
+          </a:lnRef>
+          <a:fillRef idx="0">
+            <a:schemeClr val="accent1"/>
+          </a:fillRef>
+          <a:effectRef idx="0">
+            <a:schemeClr val="accent1"/>
+          </a:effectRef>
+          <a:fontRef idx="minor">
+            <a:schemeClr val="tx1"/>
+          </a:fontRef>
+        </p:style>
+      </p:cxnSp>
+      <p:cxnSp>
+        <p:nvCxnSpPr>
+          <p:cNvPr id="11" name="Straight Arrow Connector 10">
+            <a:extLst>
+              <a:ext uri="{FF2B5EF4-FFF2-40B4-BE49-F238E27FC236}">
+                <a16:creationId xmlns:a16="http://schemas.microsoft.com/office/drawing/2014/main" id="{C243063E-1950-FF44-8E84-77AA7131F155}"/>
+              </a:ext>
+            </a:extLst>
+          </p:cNvPr>
+          <p:cNvCxnSpPr>
+            <a:cxnSpLocks/>
+            <a:stCxn id="4" idx="1"/>
+          </p:cNvCxnSpPr>
+          <p:nvPr/>
+        </p:nvCxnSpPr>
+        <p:spPr>
+          <a:xfrm flipH="1">
+            <a:off x="6635287" y="5237922"/>
+            <a:ext cx="947542" cy="939041"/>
+          </a:xfrm>
+          <a:prstGeom prst="straightConnector1">
+            <a:avLst/>
+          </a:prstGeom>
+          <a:ln>
+            <a:solidFill>
+              <a:srgbClr val="E4754F"/>
+            </a:solidFill>
+            <a:tailEnd type="triangle"/>
+          </a:ln>
+        </p:spPr>
+        <p:style>
+          <a:lnRef idx="1">
+            <a:schemeClr val="accent1"/>
+          </a:lnRef>
+          <a:fillRef idx="0">
+            <a:schemeClr val="accent1"/>
+          </a:fillRef>
+          <a:effectRef idx="0">
+            <a:schemeClr val="accent1"/>
+          </a:effectRef>
+          <a:fontRef idx="minor">
+            <a:schemeClr val="tx1"/>
+          </a:fontRef>
+        </p:style>
+      </p:cxnSp>
     </p:spTree>
     <p:extLst>
       <p:ext uri="{BB962C8B-B14F-4D97-AF65-F5344CB8AC3E}">
@@ -7560,7 +8106,7 @@
             <a:pPr lvl="1"/>
             <a:r>
               <a:rPr lang="en-US" dirty="0"/>
-              <a:t>There’s no template that ensures each dictionary has the right key and value pairs (actually Python syntax has no way to do this)</a:t>
+              <a:t>There’s no template that ensures each dictionary has the right key/value pairs (actually, Python syntax has no way to do this)</a:t>
             </a:r>
           </a:p>
           <a:p>
@@ -7738,6 +8284,93 @@
           </a:prstGeom>
         </p:spPr>
       </p:pic>
+      <p:sp>
+        <p:nvSpPr>
+          <p:cNvPr id="4" name="TextBox 3">
+            <a:extLst>
+              <a:ext uri="{FF2B5EF4-FFF2-40B4-BE49-F238E27FC236}">
+                <a16:creationId xmlns:a16="http://schemas.microsoft.com/office/drawing/2014/main" id="{E9C6BAFE-B761-AC46-8B83-D1D298114F73}"/>
+              </a:ext>
+            </a:extLst>
+          </p:cNvPr>
+          <p:cNvSpPr txBox="1"/>
+          <p:nvPr/>
+        </p:nvSpPr>
+        <p:spPr>
+          <a:xfrm>
+            <a:off x="767660" y="4275636"/>
+            <a:ext cx="2286000" cy="923330"/>
+          </a:xfrm>
+          <a:prstGeom prst="rect">
+            <a:avLst/>
+          </a:prstGeom>
+          <a:noFill/>
+        </p:spPr>
+        <p:txBody>
+          <a:bodyPr wrap="square" rtlCol="0">
+            <a:spAutoFit/>
+          </a:bodyPr>
+          <a:lstStyle/>
+          <a:p>
+            <a:r>
+              <a:rPr lang="en-US" dirty="0"/>
+              <a:t>Could try to add “:</a:t>
+            </a:r>
+            <a:r>
+              <a:rPr lang="en-US" dirty="0" err="1"/>
+              <a:t>dict</a:t>
+            </a:r>
+            <a:r>
+              <a:rPr lang="en-US" dirty="0"/>
+              <a:t>” but doesn’t help much</a:t>
+            </a:r>
+          </a:p>
+        </p:txBody>
+      </p:sp>
+      <p:cxnSp>
+        <p:nvCxnSpPr>
+          <p:cNvPr id="6" name="Straight Arrow Connector 5">
+            <a:extLst>
+              <a:ext uri="{FF2B5EF4-FFF2-40B4-BE49-F238E27FC236}">
+                <a16:creationId xmlns:a16="http://schemas.microsoft.com/office/drawing/2014/main" id="{6C0E0B2F-0F72-1C4B-9A11-477DE8BE8A79}"/>
+              </a:ext>
+            </a:extLst>
+          </p:cNvPr>
+          <p:cNvCxnSpPr>
+            <a:cxnSpLocks/>
+          </p:cNvCxnSpPr>
+          <p:nvPr/>
+        </p:nvCxnSpPr>
+        <p:spPr>
+          <a:xfrm flipV="1">
+            <a:off x="2590800" y="3688080"/>
+            <a:ext cx="1757680" cy="751840"/>
+          </a:xfrm>
+          <a:prstGeom prst="straightConnector1">
+            <a:avLst/>
+          </a:prstGeom>
+          <a:ln>
+            <a:solidFill>
+              <a:srgbClr val="E4754F"/>
+            </a:solidFill>
+            <a:tailEnd type="triangle"/>
+          </a:ln>
+        </p:spPr>
+        <p:style>
+          <a:lnRef idx="1">
+            <a:schemeClr val="accent1"/>
+          </a:lnRef>
+          <a:fillRef idx="0">
+            <a:schemeClr val="accent1"/>
+          </a:fillRef>
+          <a:effectRef idx="0">
+            <a:schemeClr val="accent1"/>
+          </a:effectRef>
+          <a:fontRef idx="minor">
+            <a:schemeClr val="tx1"/>
+          </a:fontRef>
+        </p:style>
+      </p:cxnSp>
     </p:spTree>
     <p:extLst>
       <p:ext uri="{BB962C8B-B14F-4D97-AF65-F5344CB8AC3E}">

--- a/slides/OO.pptx
+++ b/slides/OO.pptx
@@ -226,7 +226,7 @@
           <a:p>
             <a:fld id="{8A1B613A-EFF1-404F-BEE8-EFAE84A4E5E2}" type="datetimeFigureOut">
               <a:rPr lang="en-US" smtClean="0"/>
-              <a:t>8/3/21</a:t>
+              <a:t>8/4/21</a:t>
             </a:fld>
             <a:endParaRPr lang="en-US"/>
           </a:p>
@@ -391,7 +391,7 @@
           <a:p>
             <a:fld id="{690847EA-AC25-3D4E-89E1-FD3F6A9702B6}" type="datetimeFigureOut">
               <a:rPr lang="en-US" smtClean="0"/>
-              <a:t>8/3/21</a:t>
+              <a:t>8/4/21</a:t>
             </a:fld>
             <a:endParaRPr lang="en-US"/>
           </a:p>
@@ -805,7 +805,7 @@
           <a:p>
             <a:fld id="{BE5295ED-3BAF-1140-8495-3D368771D6B1}" type="datetimeFigureOut">
               <a:rPr lang="en-US" smtClean="0"/>
-              <a:t>8/3/21</a:t>
+              <a:t>8/4/21</a:t>
             </a:fld>
             <a:endParaRPr lang="en-US"/>
           </a:p>
@@ -1003,7 +1003,7 @@
           <a:p>
             <a:fld id="{BE5295ED-3BAF-1140-8495-3D368771D6B1}" type="datetimeFigureOut">
               <a:rPr lang="en-US" smtClean="0"/>
-              <a:t>8/3/21</a:t>
+              <a:t>8/4/21</a:t>
             </a:fld>
             <a:endParaRPr lang="en-US"/>
           </a:p>
@@ -1211,7 +1211,7 @@
           <a:p>
             <a:fld id="{BE5295ED-3BAF-1140-8495-3D368771D6B1}" type="datetimeFigureOut">
               <a:rPr lang="en-US" smtClean="0"/>
-              <a:t>8/3/21</a:t>
+              <a:t>8/4/21</a:t>
             </a:fld>
             <a:endParaRPr lang="en-US"/>
           </a:p>
@@ -1409,7 +1409,7 @@
           <a:p>
             <a:fld id="{BE5295ED-3BAF-1140-8495-3D368771D6B1}" type="datetimeFigureOut">
               <a:rPr lang="en-US" smtClean="0"/>
-              <a:t>8/3/21</a:t>
+              <a:t>8/4/21</a:t>
             </a:fld>
             <a:endParaRPr lang="en-US"/>
           </a:p>
@@ -1684,7 +1684,7 @@
           <a:p>
             <a:fld id="{BE5295ED-3BAF-1140-8495-3D368771D6B1}" type="datetimeFigureOut">
               <a:rPr lang="en-US" smtClean="0"/>
-              <a:t>8/3/21</a:t>
+              <a:t>8/4/21</a:t>
             </a:fld>
             <a:endParaRPr lang="en-US"/>
           </a:p>
@@ -1949,7 +1949,7 @@
           <a:p>
             <a:fld id="{BE5295ED-3BAF-1140-8495-3D368771D6B1}" type="datetimeFigureOut">
               <a:rPr lang="en-US" smtClean="0"/>
-              <a:t>8/3/21</a:t>
+              <a:t>8/4/21</a:t>
             </a:fld>
             <a:endParaRPr lang="en-US"/>
           </a:p>
@@ -2361,7 +2361,7 @@
           <a:p>
             <a:fld id="{BE5295ED-3BAF-1140-8495-3D368771D6B1}" type="datetimeFigureOut">
               <a:rPr lang="en-US" smtClean="0"/>
-              <a:t>8/3/21</a:t>
+              <a:t>8/4/21</a:t>
             </a:fld>
             <a:endParaRPr lang="en-US"/>
           </a:p>
@@ -2502,7 +2502,7 @@
           <a:p>
             <a:fld id="{BE5295ED-3BAF-1140-8495-3D368771D6B1}" type="datetimeFigureOut">
               <a:rPr lang="en-US" smtClean="0"/>
-              <a:t>8/3/21</a:t>
+              <a:t>8/4/21</a:t>
             </a:fld>
             <a:endParaRPr lang="en-US"/>
           </a:p>
@@ -2615,7 +2615,7 @@
           <a:p>
             <a:fld id="{BE5295ED-3BAF-1140-8495-3D368771D6B1}" type="datetimeFigureOut">
               <a:rPr lang="en-US" smtClean="0"/>
-              <a:t>8/3/21</a:t>
+              <a:t>8/4/21</a:t>
             </a:fld>
             <a:endParaRPr lang="en-US"/>
           </a:p>
@@ -2926,7 +2926,7 @@
           <a:p>
             <a:fld id="{BE5295ED-3BAF-1140-8495-3D368771D6B1}" type="datetimeFigureOut">
               <a:rPr lang="en-US" smtClean="0"/>
-              <a:t>8/3/21</a:t>
+              <a:t>8/4/21</a:t>
             </a:fld>
             <a:endParaRPr lang="en-US"/>
           </a:p>
@@ -3217,7 +3217,7 @@
           <a:p>
             <a:fld id="{BE5295ED-3BAF-1140-8495-3D368771D6B1}" type="datetimeFigureOut">
               <a:rPr lang="en-US" smtClean="0"/>
-              <a:t>8/3/21</a:t>
+              <a:t>8/4/21</a:t>
             </a:fld>
             <a:endParaRPr lang="en-US"/>
           </a:p>
@@ -3458,7 +3458,7 @@
           <a:p>
             <a:fld id="{BE5295ED-3BAF-1140-8495-3D368771D6B1}" type="datetimeFigureOut">
               <a:rPr lang="en-US" smtClean="0"/>
-              <a:t>8/3/21</a:t>
+              <a:t>8/4/21</a:t>
             </a:fld>
             <a:endParaRPr lang="en-US"/>
           </a:p>
